--- a/rapport/DS-Projet5-AzimM-V1.0.pptx
+++ b/rapport/DS-Projet5-AzimM-V1.0.pptx
@@ -5,10 +5,10 @@
     <p:sldMasterId id="2147483648" r:id="rId1"/>
   </p:sldMasterIdLst>
   <p:notesMasterIdLst>
-    <p:notesMasterId r:id="rId35"/>
+    <p:notesMasterId r:id="rId38"/>
   </p:notesMasterIdLst>
   <p:handoutMasterIdLst>
-    <p:handoutMasterId r:id="rId36"/>
+    <p:handoutMasterId r:id="rId39"/>
   </p:handoutMasterIdLst>
   <p:sldIdLst>
     <p:sldId id="256" r:id="rId2"/>
@@ -41,9 +41,12 @@
     <p:sldId id="347" r:id="rId29"/>
     <p:sldId id="348" r:id="rId30"/>
     <p:sldId id="349" r:id="rId31"/>
-    <p:sldId id="351" r:id="rId32"/>
-    <p:sldId id="330" r:id="rId33"/>
-    <p:sldId id="336" r:id="rId34"/>
+    <p:sldId id="353" r:id="rId32"/>
+    <p:sldId id="351" r:id="rId33"/>
+    <p:sldId id="354" r:id="rId34"/>
+    <p:sldId id="330" r:id="rId35"/>
+    <p:sldId id="336" r:id="rId36"/>
+    <p:sldId id="355" r:id="rId37"/>
   </p:sldIdLst>
   <p:sldSz cx="24384000" cy="13716000"/>
   <p:notesSz cx="6858000" cy="9144000"/>
@@ -438,7 +441,7 @@
           <a:p>
             <a:fld id="{DF4C8EBE-6B32-8843-896B-954530FB7CBD}" type="datetimeFigureOut">
               <a:rPr lang="fr-FR" smtClean="0"/>
-              <a:t>12/04/2018</a:t>
+              <a:t>14/04/2018</a:t>
             </a:fld>
             <a:endParaRPr lang="fr-FR" dirty="0"/>
           </a:p>
@@ -1020,7 +1023,34 @@
           <a:bodyPr/>
           <a:lstStyle/>
           <a:p>
-            <a:endParaRPr lang="fr-FR" dirty="0"/>
+            <a:r>
+              <a:rPr lang="fr-FR" dirty="0"/>
+              <a:t>Coefficient de silhouette : pour un point X, le coefficient de silhouette permet d’évaluer si le point appartient au bon cluster : est-il proche des points du cluster </a:t>
+            </a:r>
+            <a:r>
+              <a:rPr lang="fr-FR" dirty="0" err="1"/>
+              <a:t>auxquel</a:t>
+            </a:r>
+            <a:r>
+              <a:rPr lang="fr-FR" dirty="0"/>
+              <a:t> il appartient et il loin des autres points. Répondre à la 1</a:t>
+            </a:r>
+            <a:r>
+              <a:rPr lang="fr-FR" baseline="30000" dirty="0"/>
+              <a:t>ère</a:t>
+            </a:r>
+            <a:r>
+              <a:rPr lang="fr-FR" dirty="0"/>
+              <a:t> question : distance moyenne de x à tous les autres points du cluster auquel il appartient : a(x). Pour la 2</a:t>
+            </a:r>
+            <a:r>
+              <a:rPr lang="fr-FR" baseline="30000" dirty="0"/>
+              <a:t>ème</a:t>
+            </a:r>
+            <a:r>
+              <a:rPr lang="fr-FR" dirty="0"/>
+              <a:t> , on calcule la plus petite valeur que pourrait prendre a(x) si x était assigné à un autre cluster =&gt; b(x). On doit avoir a(x) &lt; b(x). b(x)-a(x) / max(a(x), b(x))</a:t>
+            </a:r>
           </a:p>
         </p:txBody>
       </p:sp>
@@ -2143,6 +2173,31 @@
               <a:rPr lang="fr-RE" i="1" dirty="0"/>
               <a:t>Combiner pour gagner en justesse</a:t>
             </a:r>
+          </a:p>
+          <a:p>
+            <a:endParaRPr lang="fr-RE" i="1" dirty="0"/>
+          </a:p>
+          <a:p>
+            <a:r>
+              <a:rPr lang="fr-RE" dirty="0"/>
+              <a:t>Le BOOSTING est une technique ensembliste qui consiste à agréger des </a:t>
+            </a:r>
+            <a:r>
+              <a:rPr lang="fr-RE" dirty="0" err="1"/>
+              <a:t>classifieurs</a:t>
+            </a:r>
+            <a:r>
+              <a:rPr lang="fr-RE" dirty="0"/>
+              <a:t> (modèles) élaborés séquentiellement sur un échantillon d’apprentissage dont les poids des individus sont corrigés au fur et à mesure. Les </a:t>
+            </a:r>
+            <a:r>
+              <a:rPr lang="fr-RE" dirty="0" err="1"/>
+              <a:t>classifieurs</a:t>
+            </a:r>
+            <a:r>
+              <a:rPr lang="fr-RE" dirty="0"/>
+              <a:t> sont pondérés selon leurs performances </a:t>
+            </a:r>
             <a:endParaRPr lang="fr-FR" dirty="0"/>
           </a:p>
         </p:txBody>
@@ -2240,6 +2295,93 @@
               </a:rPr>
               <a:t>La descente de gradient est utilisé pour minimiser la perte à chaque ajout d’arbre de décision. </a:t>
             </a:r>
+          </a:p>
+          <a:p>
+            <a:pPr lvl="1">
+              <a:spcBef>
+                <a:spcPts val="600"/>
+              </a:spcBef>
+              <a:spcAft>
+                <a:spcPts val="600"/>
+              </a:spcAft>
+            </a:pPr>
+            <a:endParaRPr lang="fr-RE" sz="2200" b="0" i="0" dirty="0">
+              <a:effectLst/>
+              <a:latin typeface="Helvetica Neue"/>
+              <a:ea typeface="Helvetica Neue"/>
+              <a:cs typeface="Helvetica Neue"/>
+              <a:sym typeface="Helvetica Neue"/>
+            </a:endParaRPr>
+          </a:p>
+          <a:p>
+            <a:pPr lvl="1">
+              <a:spcBef>
+                <a:spcPts val="600"/>
+              </a:spcBef>
+              <a:spcAft>
+                <a:spcPts val="600"/>
+              </a:spcAft>
+            </a:pPr>
+            <a:r>
+              <a:rPr lang="fr-FR" sz="4000" dirty="0">
+                <a:latin typeface="Helvetica Neue" panose="02000503000000020004" pitchFamily="2" charset="0"/>
+                <a:ea typeface="Helvetica Neue" panose="02000503000000020004" pitchFamily="2" charset="0"/>
+                <a:cs typeface="Helvetica Neue" panose="02000503000000020004" pitchFamily="2" charset="0"/>
+              </a:rPr>
+              <a:t>Agrégation des </a:t>
+            </a:r>
+            <a:r>
+              <a:rPr lang="fr-FR" sz="4000" dirty="0" err="1">
+                <a:latin typeface="Helvetica Neue" panose="02000503000000020004" pitchFamily="2" charset="0"/>
+                <a:ea typeface="Helvetica Neue" panose="02000503000000020004" pitchFamily="2" charset="0"/>
+                <a:cs typeface="Helvetica Neue" panose="02000503000000020004" pitchFamily="2" charset="0"/>
+              </a:rPr>
+              <a:t>classifiers</a:t>
+            </a:r>
+            <a:r>
+              <a:rPr lang="fr-FR" sz="4000" dirty="0">
+                <a:latin typeface="Helvetica Neue" panose="02000503000000020004" pitchFamily="2" charset="0"/>
+                <a:ea typeface="Helvetica Neue" panose="02000503000000020004" pitchFamily="2" charset="0"/>
+                <a:cs typeface="Helvetica Neue" panose="02000503000000020004" pitchFamily="2" charset="0"/>
+              </a:rPr>
+              <a:t> élaborés séquentiellement sur un échantillon d’apprentissage dont les poids des individus sont corrigés au fur et à mesure.</a:t>
+            </a:r>
+          </a:p>
+          <a:p>
+            <a:pPr lvl="1">
+              <a:spcBef>
+                <a:spcPts val="600"/>
+              </a:spcBef>
+              <a:spcAft>
+                <a:spcPts val="600"/>
+              </a:spcAft>
+            </a:pPr>
+            <a:r>
+              <a:rPr lang="fr-FR" sz="4000" dirty="0">
+                <a:latin typeface="Helvetica Neue" panose="02000503000000020004" pitchFamily="2" charset="0"/>
+                <a:ea typeface="Helvetica Neue" panose="02000503000000020004" pitchFamily="2" charset="0"/>
+                <a:cs typeface="Helvetica Neue" panose="02000503000000020004" pitchFamily="2" charset="0"/>
+              </a:rPr>
+              <a:t>Un vote pondéré sur les décisions des </a:t>
+            </a:r>
+            <a:r>
+              <a:rPr lang="fr-FR" sz="4000" dirty="0" err="1">
+                <a:latin typeface="Helvetica Neue" panose="02000503000000020004" pitchFamily="2" charset="0"/>
+                <a:ea typeface="Helvetica Neue" panose="02000503000000020004" pitchFamily="2" charset="0"/>
+                <a:cs typeface="Helvetica Neue" panose="02000503000000020004" pitchFamily="2" charset="0"/>
+              </a:rPr>
+              <a:t>classifiers</a:t>
+            </a:r>
+            <a:r>
+              <a:rPr lang="fr-FR" sz="4000" dirty="0">
+                <a:latin typeface="Helvetica Neue" panose="02000503000000020004" pitchFamily="2" charset="0"/>
+                <a:ea typeface="Helvetica Neue" panose="02000503000000020004" pitchFamily="2" charset="0"/>
+                <a:cs typeface="Helvetica Neue" panose="02000503000000020004" pitchFamily="2" charset="0"/>
+              </a:rPr>
+              <a:t> est utilisé pour la prédiction finale.</a:t>
+            </a:r>
+          </a:p>
+          <a:p>
             <a:endParaRPr lang="fr-FR" dirty="0"/>
           </a:p>
         </p:txBody>
@@ -2344,7 +2486,7 @@
     </p:spTree>
     <p:extLst>
       <p:ext uri="{BB962C8B-B14F-4D97-AF65-F5344CB8AC3E}">
-        <p14:creationId xmlns:p14="http://schemas.microsoft.com/office/powerpoint/2010/main" val="362823958"/>
+        <p14:creationId xmlns:p14="http://schemas.microsoft.com/office/powerpoint/2010/main" val="2021142362"/>
       </p:ext>
     </p:extLst>
   </p:cSld>
@@ -2403,6 +2545,84 @@
           <a:bodyPr/>
           <a:lstStyle/>
           <a:p>
+            <a:r>
+              <a:rPr lang="fr-FR" sz="2200" dirty="0">
+                <a:effectLst/>
+                <a:latin typeface="Helvetica Neue"/>
+                <a:ea typeface="Helvetica Neue"/>
+                <a:cs typeface="Helvetica Neue"/>
+                <a:sym typeface="Helvetica Neue"/>
+              </a:rPr>
+              <a:t>C’est à dire avancer dans notre fonction de perte en suivant le gradient, ce qui pourra être effectué en ajoutant un arbre de décision supplémentaire. On effectue cette procédure en paramétrant l’arbre, et ensuite en modifiant ces paramètres en allant dans la direction du gradient en diminuant la perte résiduelle.</a:t>
+            </a:r>
+          </a:p>
+          <a:p>
+            <a:endParaRPr lang="fr-FR" sz="2200" dirty="0">
+              <a:effectLst/>
+              <a:latin typeface="Helvetica Neue"/>
+              <a:ea typeface="Helvetica Neue"/>
+              <a:cs typeface="Helvetica Neue"/>
+              <a:sym typeface="Helvetica Neue"/>
+            </a:endParaRPr>
+          </a:p>
+          <a:p>
+            <a:r>
+              <a:rPr lang="fr-RE" sz="2200" b="0" i="0" dirty="0">
+                <a:effectLst/>
+                <a:latin typeface="Helvetica Neue"/>
+                <a:ea typeface="Helvetica Neue"/>
+                <a:cs typeface="Helvetica Neue"/>
+                <a:sym typeface="Helvetica Neue"/>
+              </a:rPr>
+              <a:t>La descente de gradient est utilisé pour minimiser la perte à chaque ajout d’arbre de décision. </a:t>
+            </a:r>
+          </a:p>
+          <a:p>
+            <a:endParaRPr lang="fr-RE" sz="2200" b="0" i="0" dirty="0">
+              <a:effectLst/>
+              <a:latin typeface="Helvetica Neue"/>
+              <a:ea typeface="Helvetica Neue"/>
+              <a:cs typeface="Helvetica Neue"/>
+              <a:sym typeface="Helvetica Neue"/>
+            </a:endParaRPr>
+          </a:p>
+          <a:p>
+            <a:pPr marL="0" marR="0" lvl="0" indent="0" defTabSz="457200" eaLnBrk="1" fontAlgn="auto" latinLnBrk="0" hangingPunct="1">
+              <a:lnSpc>
+                <a:spcPct val="117999"/>
+              </a:lnSpc>
+              <a:spcBef>
+                <a:spcPts val="0"/>
+              </a:spcBef>
+              <a:spcAft>
+                <a:spcPts val="0"/>
+              </a:spcAft>
+              <a:buClrTx/>
+              <a:buSzTx/>
+              <a:buFontTx/>
+              <a:buNone/>
+              <a:tabLst/>
+              <a:defRPr/>
+            </a:pPr>
+            <a:r>
+              <a:rPr lang="fr-RE" sz="2400" dirty="0">
+                <a:latin typeface="Helvetica Neue" panose="02000503000000020004" pitchFamily="2" charset="0"/>
+                <a:ea typeface="Helvetica Neue" panose="02000503000000020004" pitchFamily="2" charset="0"/>
+                <a:cs typeface="Helvetica Neue" panose="02000503000000020004" pitchFamily="2" charset="0"/>
+              </a:rPr>
+              <a:t>Learning rate : facteur de pondération de la contribution de chaque classifier</a:t>
+            </a:r>
+          </a:p>
+          <a:p>
+            <a:endParaRPr lang="fr-RE" sz="2200" b="0" i="0" dirty="0">
+              <a:effectLst/>
+              <a:latin typeface="Helvetica Neue"/>
+              <a:ea typeface="Helvetica Neue"/>
+              <a:cs typeface="Helvetica Neue"/>
+              <a:sym typeface="Helvetica Neue"/>
+            </a:endParaRPr>
+          </a:p>
+          <a:p>
             <a:endParaRPr lang="fr-FR" dirty="0"/>
           </a:p>
         </p:txBody>
@@ -2410,7 +2630,104 @@
     </p:spTree>
     <p:extLst>
       <p:ext uri="{BB962C8B-B14F-4D97-AF65-F5344CB8AC3E}">
-        <p14:creationId xmlns:p14="http://schemas.microsoft.com/office/powerpoint/2010/main" val="1150197086"/>
+        <p14:creationId xmlns:p14="http://schemas.microsoft.com/office/powerpoint/2010/main" val="362823958"/>
+      </p:ext>
+    </p:extLst>
+  </p:cSld>
+  <p:clrMapOvr>
+    <a:masterClrMapping/>
+  </p:clrMapOvr>
+</p:notes>
+</file>
+
+<file path=ppt/notesSlides/notesSlide29.xml><?xml version="1.0" encoding="utf-8"?>
+<p:notes xmlns:a="http://schemas.openxmlformats.org/drawingml/2006/main" xmlns:r="http://schemas.openxmlformats.org/officeDocument/2006/relationships" xmlns:p="http://schemas.openxmlformats.org/presentationml/2006/main">
+  <p:cSld>
+    <p:spTree>
+      <p:nvGrpSpPr>
+        <p:cNvPr id="1" name=""/>
+        <p:cNvGrpSpPr/>
+        <p:nvPr/>
+      </p:nvGrpSpPr>
+      <p:grpSpPr>
+        <a:xfrm>
+          <a:off x="0" y="0"/>
+          <a:ext cx="0" cy="0"/>
+          <a:chOff x="0" y="0"/>
+          <a:chExt cx="0" cy="0"/>
+        </a:xfrm>
+      </p:grpSpPr>
+      <p:sp>
+        <p:nvSpPr>
+          <p:cNvPr id="2" name="Espace réservé de l’image des diapositives 1"/>
+          <p:cNvSpPr>
+            <a:spLocks noGrp="1" noRot="1" noChangeAspect="1"/>
+          </p:cNvSpPr>
+          <p:nvPr>
+            <p:ph type="sldImg"/>
+          </p:nvPr>
+        </p:nvSpPr>
+        <p:spPr>
+          <a:xfrm>
+            <a:off x="381000" y="685800"/>
+            <a:ext cx="6096000" cy="3429000"/>
+          </a:xfrm>
+        </p:spPr>
+      </p:sp>
+      <p:sp>
+        <p:nvSpPr>
+          <p:cNvPr id="3" name="Espace réservé des commentaires 2"/>
+          <p:cNvSpPr>
+            <a:spLocks noGrp="1"/>
+          </p:cNvSpPr>
+          <p:nvPr>
+            <p:ph type="body" idx="1"/>
+          </p:nvPr>
+        </p:nvSpPr>
+        <p:spPr/>
+        <p:txBody>
+          <a:bodyPr/>
+          <a:lstStyle/>
+          <a:p>
+            <a:r>
+              <a:rPr lang="fr-FR" sz="2200" dirty="0">
+                <a:effectLst/>
+                <a:latin typeface="Helvetica Neue"/>
+                <a:ea typeface="Helvetica Neue"/>
+                <a:cs typeface="Helvetica Neue"/>
+                <a:sym typeface="Helvetica Neue"/>
+              </a:rPr>
+              <a:t>C’est à dire avancer dans notre fonction de perte en suivant le gradient, ce qui pourra être effectué en ajoutant un arbre de décision supplémentaire. On effectue cette procédure en paramétrant l’arbre, et ensuite en modifiant ces paramètres en allant dans la direction du gradient en diminuant la perte résiduelle.</a:t>
+            </a:r>
+          </a:p>
+          <a:p>
+            <a:endParaRPr lang="fr-FR" sz="2200" dirty="0">
+              <a:effectLst/>
+              <a:latin typeface="Helvetica Neue"/>
+              <a:ea typeface="Helvetica Neue"/>
+              <a:cs typeface="Helvetica Neue"/>
+              <a:sym typeface="Helvetica Neue"/>
+            </a:endParaRPr>
+          </a:p>
+          <a:p>
+            <a:r>
+              <a:rPr lang="fr-RE" sz="2200" b="0" i="0" dirty="0">
+                <a:effectLst/>
+                <a:latin typeface="Helvetica Neue"/>
+                <a:ea typeface="Helvetica Neue"/>
+                <a:cs typeface="Helvetica Neue"/>
+                <a:sym typeface="Helvetica Neue"/>
+              </a:rPr>
+              <a:t>La descente de gradient est utilisé pour minimiser la perte à chaque ajout d’arbre de décision. </a:t>
+            </a:r>
+            <a:endParaRPr lang="fr-FR" dirty="0"/>
+          </a:p>
+        </p:txBody>
+      </p:sp>
+    </p:spTree>
+    <p:extLst>
+      <p:ext uri="{BB962C8B-B14F-4D97-AF65-F5344CB8AC3E}">
+        <p14:creationId xmlns:p14="http://schemas.microsoft.com/office/powerpoint/2010/main" val="1591892009"/>
       </p:ext>
     </p:extLst>
   </p:cSld>
@@ -2477,6 +2794,72 @@
     <p:extLst>
       <p:ext uri="{BB962C8B-B14F-4D97-AF65-F5344CB8AC3E}">
         <p14:creationId xmlns:p14="http://schemas.microsoft.com/office/powerpoint/2010/main" val="396670678"/>
+      </p:ext>
+    </p:extLst>
+  </p:cSld>
+  <p:clrMapOvr>
+    <a:masterClrMapping/>
+  </p:clrMapOvr>
+</p:notes>
+</file>
+
+<file path=ppt/notesSlides/notesSlide30.xml><?xml version="1.0" encoding="utf-8"?>
+<p:notes xmlns:a="http://schemas.openxmlformats.org/drawingml/2006/main" xmlns:r="http://schemas.openxmlformats.org/officeDocument/2006/relationships" xmlns:p="http://schemas.openxmlformats.org/presentationml/2006/main">
+  <p:cSld>
+    <p:spTree>
+      <p:nvGrpSpPr>
+        <p:cNvPr id="1" name=""/>
+        <p:cNvGrpSpPr/>
+        <p:nvPr/>
+      </p:nvGrpSpPr>
+      <p:grpSpPr>
+        <a:xfrm>
+          <a:off x="0" y="0"/>
+          <a:ext cx="0" cy="0"/>
+          <a:chOff x="0" y="0"/>
+          <a:chExt cx="0" cy="0"/>
+        </a:xfrm>
+      </p:grpSpPr>
+      <p:sp>
+        <p:nvSpPr>
+          <p:cNvPr id="2" name="Espace réservé de l’image des diapositives 1"/>
+          <p:cNvSpPr>
+            <a:spLocks noGrp="1" noRot="1" noChangeAspect="1"/>
+          </p:cNvSpPr>
+          <p:nvPr>
+            <p:ph type="sldImg"/>
+          </p:nvPr>
+        </p:nvSpPr>
+        <p:spPr>
+          <a:xfrm>
+            <a:off x="381000" y="685800"/>
+            <a:ext cx="6096000" cy="3429000"/>
+          </a:xfrm>
+        </p:spPr>
+      </p:sp>
+      <p:sp>
+        <p:nvSpPr>
+          <p:cNvPr id="3" name="Espace réservé des commentaires 2"/>
+          <p:cNvSpPr>
+            <a:spLocks noGrp="1"/>
+          </p:cNvSpPr>
+          <p:nvPr>
+            <p:ph type="body" idx="1"/>
+          </p:nvPr>
+        </p:nvSpPr>
+        <p:spPr/>
+        <p:txBody>
+          <a:bodyPr/>
+          <a:lstStyle/>
+          <a:p>
+            <a:endParaRPr lang="fr-FR" dirty="0"/>
+          </a:p>
+        </p:txBody>
+      </p:sp>
+    </p:spTree>
+    <p:extLst>
+      <p:ext uri="{BB962C8B-B14F-4D97-AF65-F5344CB8AC3E}">
+        <p14:creationId xmlns:p14="http://schemas.microsoft.com/office/powerpoint/2010/main" val="1150197086"/>
       </p:ext>
     </p:extLst>
   </p:cSld>
@@ -7687,7 +8070,7 @@
             </a:pPr>
             <a:r>
               <a:rPr lang="fr-FR" sz="4000" dirty="0"/>
-              <a:t>Ces groupes serviront aux marketing pour mieux comprendre les clients et cibler les opérations pour augmenter les ventes</a:t>
+              <a:t>Ces groupes serviront aux marketing pour mieux comprendre les clients et cibler leurs opérations pour augmenter les ventes</a:t>
             </a:r>
           </a:p>
           <a:p>
@@ -18511,7 +18894,9 @@
           <a:p>
             <a:r>
               <a:rPr lang="fr-FR" sz="4000" dirty="0">
-                <a:latin typeface="+mj-lt"/>
+                <a:latin typeface="Helvetica Neue" panose="02000503000000020004" pitchFamily="2" charset="0"/>
+                <a:ea typeface="Helvetica Neue" panose="02000503000000020004" pitchFamily="2" charset="0"/>
+                <a:cs typeface="Helvetica Neue" panose="02000503000000020004" pitchFamily="2" charset="0"/>
               </a:rPr>
               <a:t>Combinaison des résultats de plusieurs modèles pour faire la prédiction finale</a:t>
             </a:r>
@@ -18519,9 +18904,9 @@
           <a:p>
             <a:r>
               <a:rPr lang="fr-FR" sz="4000" dirty="0">
-                <a:latin typeface="+mj-lt"/>
-                <a:ea typeface="Helvetica Neue" charset="0"/>
-                <a:cs typeface="Helvetica Neue" charset="0"/>
+                <a:latin typeface="Helvetica Neue" panose="02000503000000020004" pitchFamily="2" charset="0"/>
+                <a:ea typeface="Helvetica Neue" panose="02000503000000020004" pitchFamily="2" charset="0"/>
+                <a:cs typeface="Helvetica Neue" panose="02000503000000020004" pitchFamily="2" charset="0"/>
               </a:rPr>
               <a:t>Concept : meilleure prédiction à partir d’une combinaison intelligente des résultats de plusieurs modèles plutôt que d’un seul</a:t>
             </a:r>
@@ -18529,7 +18914,9 @@
           <a:p>
             <a:r>
               <a:rPr lang="fr-FR" sz="4000" dirty="0">
-                <a:latin typeface="+mj-lt"/>
+                <a:latin typeface="Helvetica Neue" panose="02000503000000020004" pitchFamily="2" charset="0"/>
+                <a:ea typeface="Helvetica Neue" panose="02000503000000020004" pitchFamily="2" charset="0"/>
+                <a:cs typeface="Helvetica Neue" panose="02000503000000020004" pitchFamily="2" charset="0"/>
               </a:rPr>
               <a:t>Permettent de réduire le biais et la variance des prédictions</a:t>
             </a:r>
@@ -18537,9 +18924,9 @@
           <a:p>
             <a:r>
               <a:rPr lang="fr-FR" sz="4000" dirty="0">
-                <a:latin typeface="+mj-lt"/>
-                <a:ea typeface="Helvetica Neue" charset="0"/>
-                <a:cs typeface="Helvetica Neue" charset="0"/>
+                <a:latin typeface="Helvetica Neue" panose="02000503000000020004" pitchFamily="2" charset="0"/>
+                <a:ea typeface="Helvetica Neue" panose="02000503000000020004" pitchFamily="2" charset="0"/>
+                <a:cs typeface="Helvetica Neue" panose="02000503000000020004" pitchFamily="2" charset="0"/>
               </a:rPr>
               <a:t>Classées en 2 familles : </a:t>
             </a:r>
@@ -18557,9 +18944,9 @@
             </a:pPr>
             <a:r>
               <a:rPr lang="fr-RE" sz="4000" dirty="0">
-                <a:latin typeface="+mj-lt"/>
-                <a:ea typeface="Helvetica Neue" charset="0"/>
-                <a:cs typeface="Helvetica Neue" charset="0"/>
+                <a:latin typeface="Helvetica Neue" panose="02000503000000020004" pitchFamily="2" charset="0"/>
+                <a:ea typeface="Helvetica Neue" panose="02000503000000020004" pitchFamily="2" charset="0"/>
+                <a:cs typeface="Helvetica Neue" panose="02000503000000020004" pitchFamily="2" charset="0"/>
               </a:rPr>
               <a:t>celles qui fonctionnent en parallèle</a:t>
             </a:r>
@@ -18577,13 +18964,17 @@
             </a:pPr>
             <a:r>
               <a:rPr lang="fr-RE" sz="4000" dirty="0">
-                <a:latin typeface="+mj-lt"/>
-                <a:ea typeface="Helvetica Neue" charset="0"/>
-                <a:cs typeface="Helvetica Neue" charset="0"/>
+                <a:latin typeface="Helvetica Neue" panose="02000503000000020004" pitchFamily="2" charset="0"/>
+                <a:ea typeface="Helvetica Neue" panose="02000503000000020004" pitchFamily="2" charset="0"/>
+                <a:cs typeface="Helvetica Neue" panose="02000503000000020004" pitchFamily="2" charset="0"/>
               </a:rPr>
               <a:t>celles qui fonctionnent en mode séquentiel</a:t>
             </a:r>
-            <a:endParaRPr lang="fr-RE" dirty="0"/>
+            <a:endParaRPr lang="fr-RE" dirty="0">
+              <a:latin typeface="Helvetica Neue" panose="02000503000000020004" pitchFamily="2" charset="0"/>
+              <a:ea typeface="Helvetica Neue" panose="02000503000000020004" pitchFamily="2" charset="0"/>
+              <a:cs typeface="Helvetica Neue" panose="02000503000000020004" pitchFamily="2" charset="0"/>
+            </a:endParaRPr>
           </a:p>
         </p:txBody>
       </p:sp>
@@ -20423,7 +20814,7 @@
         </p:nvSpPr>
         <p:spPr>
           <a:xfrm>
-            <a:off x="646460" y="5265436"/>
+            <a:off x="646460" y="4904801"/>
             <a:ext cx="11312571" cy="7589253"/>
           </a:xfrm>
         </p:spPr>
@@ -20444,15 +20835,19 @@
             </a:pPr>
             <a:r>
               <a:rPr lang="fr-FR" sz="3600" b="1" dirty="0" err="1">
-                <a:latin typeface="+mj-lt"/>
+                <a:latin typeface="Helvetica Neue" panose="02000503000000020004" pitchFamily="2" charset="0"/>
+                <a:ea typeface="Helvetica Neue" panose="02000503000000020004" pitchFamily="2" charset="0"/>
+                <a:cs typeface="Helvetica Neue" panose="02000503000000020004" pitchFamily="2" charset="0"/>
               </a:rPr>
               <a:t>Bagging</a:t>
             </a:r>
             <a:r>
               <a:rPr lang="fr-FR" sz="3600" b="1" dirty="0">
-                <a:latin typeface="+mj-lt"/>
+                <a:latin typeface="Helvetica Neue" panose="02000503000000020004" pitchFamily="2" charset="0"/>
+                <a:ea typeface="Helvetica Neue" panose="02000503000000020004" pitchFamily="2" charset="0"/>
+                <a:cs typeface="Helvetica Neue" panose="02000503000000020004" pitchFamily="2" charset="0"/>
               </a:rPr>
-              <a:t>: </a:t>
+              <a:t> (parallèle)</a:t>
             </a:r>
           </a:p>
           <a:p>
@@ -20465,8 +20860,10 @@
               </a:spcAft>
             </a:pPr>
             <a:r>
-              <a:rPr lang="fr-FR" sz="3600" dirty="0">
-                <a:latin typeface="+mn-lt"/>
+              <a:rPr lang="fr-FR" sz="4000" dirty="0">
+                <a:latin typeface="Helvetica Neue" panose="02000503000000020004" pitchFamily="2" charset="0"/>
+                <a:ea typeface="Helvetica Neue" panose="02000503000000020004" pitchFamily="2" charset="0"/>
+                <a:cs typeface="Helvetica Neue" panose="02000503000000020004" pitchFamily="2" charset="0"/>
               </a:rPr>
               <a:t>Sous échantillonnage des données et on fait générer à l’algorithme un modèle pour chaque sous échantillon</a:t>
             </a:r>
@@ -20481,8 +20878,10 @@
               </a:spcAft>
             </a:pPr>
             <a:r>
-              <a:rPr lang="fr-FR" sz="3600" dirty="0">
-                <a:latin typeface="+mn-lt"/>
+              <a:rPr lang="fr-FR" sz="4000" dirty="0">
+                <a:latin typeface="Helvetica Neue" panose="02000503000000020004" pitchFamily="2" charset="0"/>
+                <a:ea typeface="Helvetica Neue" panose="02000503000000020004" pitchFamily="2" charset="0"/>
+                <a:cs typeface="Helvetica Neue" panose="02000503000000020004" pitchFamily="2" charset="0"/>
               </a:rPr>
               <a:t>On fait une ensuite une moyenne ou un vote des différentes prédictions</a:t>
             </a:r>
@@ -20497,8 +20896,10 @@
               </a:spcAft>
             </a:pPr>
             <a:r>
-              <a:rPr lang="fr-FR" sz="3600" dirty="0">
-                <a:latin typeface="+mn-lt"/>
+              <a:rPr lang="fr-FR" sz="4000" dirty="0">
+                <a:latin typeface="Helvetica Neue" panose="02000503000000020004" pitchFamily="2" charset="0"/>
+                <a:ea typeface="Helvetica Neue" panose="02000503000000020004" pitchFamily="2" charset="0"/>
+                <a:cs typeface="Helvetica Neue" panose="02000503000000020004" pitchFamily="2" charset="0"/>
               </a:rPr>
               <a:t>Réduit la variance : prédiction plus stable et performante</a:t>
             </a:r>
@@ -20513,32 +20914,12 @@
               </a:spcAft>
             </a:pPr>
             <a:r>
-              <a:rPr lang="fr-FR" sz="3600" dirty="0">
-                <a:latin typeface="+mn-lt"/>
+              <a:rPr lang="fr-FR" sz="4000" dirty="0">
+                <a:latin typeface="Helvetica Neue" panose="02000503000000020004" pitchFamily="2" charset="0"/>
+                <a:ea typeface="Helvetica Neue" panose="02000503000000020004" pitchFamily="2" charset="0"/>
+                <a:cs typeface="Helvetica Neue" panose="02000503000000020004" pitchFamily="2" charset="0"/>
               </a:rPr>
               <a:t>Mais peu dégrader les qualités pour des algorithmes plus stables</a:t>
-            </a:r>
-          </a:p>
-          <a:p>
-            <a:pPr>
-              <a:spcBef>
-                <a:spcPts val="600"/>
-              </a:spcBef>
-              <a:spcAft>
-                <a:spcPts val="1200"/>
-              </a:spcAft>
-            </a:pPr>
-            <a:r>
-              <a:rPr lang="fr-FR" sz="3600" dirty="0">
-                <a:latin typeface="+mn-lt"/>
-              </a:rPr>
-              <a:t>Génération des modèles parallélisée</a:t>
-            </a:r>
-            <a:r>
-              <a:rPr lang="fr-FR" sz="3600" dirty="0">
-                <a:latin typeface="+mj-lt"/>
-              </a:rPr>
-              <a:t>.</a:t>
             </a:r>
           </a:p>
         </p:txBody>
@@ -20588,7 +20969,7 @@
         </p:nvSpPr>
         <p:spPr>
           <a:xfrm>
-            <a:off x="12412269" y="5265437"/>
+            <a:off x="12412269" y="4904801"/>
             <a:ext cx="11971731" cy="7815564"/>
           </a:xfrm>
           <a:prstGeom prst="rect">
@@ -20883,15 +21264,19 @@
             </a:pPr>
             <a:r>
               <a:rPr lang="fr-FR" sz="3600" b="1" dirty="0" err="1">
-                <a:latin typeface="+mj-lt"/>
+                <a:latin typeface="Helvetica Neue" panose="02000503000000020004" pitchFamily="2" charset="0"/>
+                <a:ea typeface="Helvetica Neue" panose="02000503000000020004" pitchFamily="2" charset="0"/>
+                <a:cs typeface="Helvetica Neue" panose="02000503000000020004" pitchFamily="2" charset="0"/>
               </a:rPr>
               <a:t>Boosting</a:t>
             </a:r>
             <a:r>
               <a:rPr lang="fr-FR" sz="3600" b="1" dirty="0">
-                <a:latin typeface="+mj-lt"/>
+                <a:latin typeface="Helvetica Neue" panose="02000503000000020004" pitchFamily="2" charset="0"/>
+                <a:ea typeface="Helvetica Neue" panose="02000503000000020004" pitchFamily="2" charset="0"/>
+                <a:cs typeface="Helvetica Neue" panose="02000503000000020004" pitchFamily="2" charset="0"/>
               </a:rPr>
-              <a:t> : </a:t>
+              <a:t> (séquentielle)</a:t>
             </a:r>
           </a:p>
           <a:p>
@@ -20904,10 +21289,12 @@
               </a:spcAft>
             </a:pPr>
             <a:r>
-              <a:rPr lang="fr-FR" sz="3600" dirty="0">
-                <a:latin typeface="+mn-lt"/>
+              <a:rPr lang="fr-FR" sz="4000" dirty="0">
+                <a:latin typeface="Helvetica Neue" panose="02000503000000020004" pitchFamily="2" charset="0"/>
+                <a:ea typeface="Helvetica Neue" panose="02000503000000020004" pitchFamily="2" charset="0"/>
+                <a:cs typeface="Helvetica Neue" panose="02000503000000020004" pitchFamily="2" charset="0"/>
               </a:rPr>
-              <a:t>Les prédictions sont faites de manière séquentielle</a:t>
+              <a:t>On va donner plus d’importance aux valeurs difficiles à prédire correctement</a:t>
             </a:r>
           </a:p>
           <a:p>
@@ -20920,10 +21307,12 @@
               </a:spcAft>
             </a:pPr>
             <a:r>
-              <a:rPr lang="fr-FR" sz="3600" dirty="0">
-                <a:latin typeface="+mn-lt"/>
+              <a:rPr lang="fr-FR" sz="4000" dirty="0">
+                <a:latin typeface="Helvetica Neue" panose="02000503000000020004" pitchFamily="2" charset="0"/>
+                <a:ea typeface="Helvetica Neue" panose="02000503000000020004" pitchFamily="2" charset="0"/>
+                <a:cs typeface="Helvetica Neue" panose="02000503000000020004" pitchFamily="2" charset="0"/>
               </a:rPr>
-              <a:t>On va donner plus d’importance aux valeurs difficile à prédire correctement</a:t>
+              <a:t>Les modèles suivants vont apprendre des erreurs des modèles précédents.</a:t>
             </a:r>
           </a:p>
           <a:p>
@@ -20936,10 +21325,28 @@
               </a:spcAft>
             </a:pPr>
             <a:r>
-              <a:rPr lang="fr-FR" sz="3600" dirty="0">
-                <a:latin typeface="+mn-lt"/>
+              <a:rPr lang="fr-FR" sz="4000" dirty="0">
+                <a:latin typeface="Helvetica Neue" panose="02000503000000020004" pitchFamily="2" charset="0"/>
+                <a:ea typeface="Helvetica Neue" panose="02000503000000020004" pitchFamily="2" charset="0"/>
+                <a:cs typeface="Helvetica Neue" panose="02000503000000020004" pitchFamily="2" charset="0"/>
               </a:rPr>
-              <a:t>Les modèles suivants vont apprendre des erreurs des modèles précédents.</a:t>
+              <a:t>Pondération des </a:t>
+            </a:r>
+            <a:r>
+              <a:rPr lang="fr-FR" sz="4000" dirty="0" err="1">
+                <a:latin typeface="Helvetica Neue" panose="02000503000000020004" pitchFamily="2" charset="0"/>
+                <a:ea typeface="Helvetica Neue" panose="02000503000000020004" pitchFamily="2" charset="0"/>
+                <a:cs typeface="Helvetica Neue" panose="02000503000000020004" pitchFamily="2" charset="0"/>
+              </a:rPr>
+              <a:t>classifiers</a:t>
+            </a:r>
+            <a:r>
+              <a:rPr lang="fr-FR" sz="4000" dirty="0">
+                <a:latin typeface="Helvetica Neue" panose="02000503000000020004" pitchFamily="2" charset="0"/>
+                <a:ea typeface="Helvetica Neue" panose="02000503000000020004" pitchFamily="2" charset="0"/>
+                <a:cs typeface="Helvetica Neue" panose="02000503000000020004" pitchFamily="2" charset="0"/>
+              </a:rPr>
+              <a:t>, ceux ayant correctement prédit auront un poids plus fort </a:t>
             </a:r>
           </a:p>
           <a:p>
@@ -20952,22 +21359,12 @@
               </a:spcAft>
             </a:pPr>
             <a:r>
-              <a:rPr lang="fr-FR" sz="3600" dirty="0">
-                <a:latin typeface="+mn-lt"/>
+              <a:rPr lang="fr-FR" sz="4000" dirty="0">
+                <a:latin typeface="Helvetica Neue" panose="02000503000000020004" pitchFamily="2" charset="0"/>
+                <a:ea typeface="Helvetica Neue" panose="02000503000000020004" pitchFamily="2" charset="0"/>
+                <a:cs typeface="Helvetica Neue" panose="02000503000000020004" pitchFamily="2" charset="0"/>
               </a:rPr>
-              <a:t>Pondération des </a:t>
-            </a:r>
-            <a:r>
-              <a:rPr lang="fr-FR" sz="3600" dirty="0" err="1">
-                <a:latin typeface="+mn-lt"/>
-              </a:rPr>
-              <a:t>classifiers</a:t>
-            </a:r>
-            <a:r>
-              <a:rPr lang="fr-FR" sz="3600" dirty="0">
-                <a:latin typeface="+mn-lt"/>
-              </a:rPr>
-              <a:t>, ceux ayant correctement prédit auront un poids plus fort </a:t>
+              <a:t>Réduis le biais et la variance</a:t>
             </a:r>
           </a:p>
           <a:p>
@@ -20980,36 +21377,26 @@
               </a:spcAft>
             </a:pPr>
             <a:r>
-              <a:rPr lang="fr-FR" sz="3600" dirty="0">
-                <a:latin typeface="+mn-lt"/>
-              </a:rPr>
-              <a:t>Réduis le biais et la variance</a:t>
-            </a:r>
-          </a:p>
-          <a:p>
-            <a:pPr hangingPunct="1">
-              <a:spcBef>
-                <a:spcPts val="600"/>
-              </a:spcBef>
-              <a:spcAft>
-                <a:spcPts val="1200"/>
-              </a:spcAft>
-            </a:pPr>
-            <a:r>
-              <a:rPr lang="fr-FR" sz="3600" dirty="0">
-                <a:latin typeface="+mn-lt"/>
+              <a:rPr lang="fr-FR" sz="4000" dirty="0">
+                <a:latin typeface="Helvetica Neue" panose="02000503000000020004" pitchFamily="2" charset="0"/>
+                <a:ea typeface="Helvetica Neue" panose="02000503000000020004" pitchFamily="2" charset="0"/>
+                <a:cs typeface="Helvetica Neue" panose="02000503000000020004" pitchFamily="2" charset="0"/>
               </a:rPr>
               <a:t>Mais peut </a:t>
             </a:r>
             <a:r>
-              <a:rPr lang="fr-FR" sz="3600" dirty="0" err="1">
-                <a:latin typeface="+mn-lt"/>
+              <a:rPr lang="fr-FR" sz="4000" dirty="0" err="1">
+                <a:latin typeface="Helvetica Neue" panose="02000503000000020004" pitchFamily="2" charset="0"/>
+                <a:ea typeface="Helvetica Neue" panose="02000503000000020004" pitchFamily="2" charset="0"/>
+                <a:cs typeface="Helvetica Neue" panose="02000503000000020004" pitchFamily="2" charset="0"/>
               </a:rPr>
               <a:t>overfitter</a:t>
             </a:r>
             <a:r>
-              <a:rPr lang="fr-FR" sz="3600" dirty="0">
-                <a:latin typeface="+mn-lt"/>
+              <a:rPr lang="fr-FR" sz="4000" dirty="0">
+                <a:latin typeface="Helvetica Neue" panose="02000503000000020004" pitchFamily="2" charset="0"/>
+                <a:ea typeface="Helvetica Neue" panose="02000503000000020004" pitchFamily="2" charset="0"/>
+                <a:cs typeface="Helvetica Neue" panose="02000503000000020004" pitchFamily="2" charset="0"/>
               </a:rPr>
               <a:t> </a:t>
             </a:r>
@@ -21301,125 +21688,140 @@
           <a:p>
             <a:r>
               <a:rPr lang="fr-FR" sz="4000" dirty="0">
-                <a:latin typeface="+mn-lt"/>
+                <a:latin typeface="Helvetica Neue" panose="02000503000000020004" pitchFamily="2" charset="0"/>
+                <a:ea typeface="Helvetica Neue" panose="02000503000000020004" pitchFamily="2" charset="0"/>
+                <a:cs typeface="Helvetica Neue" panose="02000503000000020004" pitchFamily="2" charset="0"/>
               </a:rPr>
-              <a:t>Généralisation du </a:t>
-            </a:r>
+              <a:t>Algorithme de type ensembliste, majoritairement employé avec les arbres de décision</a:t>
+            </a:r>
+          </a:p>
+          <a:p>
             <a:r>
               <a:rPr lang="fr-FR" sz="4000" dirty="0" err="1">
-                <a:latin typeface="+mn-lt"/>
+                <a:latin typeface="Helvetica Neue" panose="02000503000000020004" pitchFamily="2" charset="0"/>
+                <a:ea typeface="Helvetica Neue" panose="02000503000000020004" pitchFamily="2" charset="0"/>
+                <a:cs typeface="Helvetica Neue" panose="02000503000000020004" pitchFamily="2" charset="0"/>
               </a:rPr>
               <a:t>Boosting</a:t>
             </a:r>
             <a:r>
               <a:rPr lang="fr-FR" sz="4000" dirty="0">
-                <a:latin typeface="+mn-lt"/>
+                <a:latin typeface="Helvetica Neue" panose="02000503000000020004" pitchFamily="2" charset="0"/>
+                <a:ea typeface="Helvetica Neue" panose="02000503000000020004" pitchFamily="2" charset="0"/>
+                <a:cs typeface="Helvetica Neue" panose="02000503000000020004" pitchFamily="2" charset="0"/>
               </a:rPr>
-              <a:t> </a:t>
-            </a:r>
-          </a:p>
-          <a:p>
+              <a:t> : </a:t>
+            </a:r>
+            <a:r>
+              <a:rPr lang="fr-FR" sz="4000" kern="1200" dirty="0">
+                <a:solidFill>
+                  <a:schemeClr val="tx1"/>
+                </a:solidFill>
+              </a:rPr>
+              <a:t>méthodes fonctionnant sur ce principe d’assemblage en série d’apprenant faibles.</a:t>
+            </a:r>
+            <a:endParaRPr lang="fr-FR" sz="4000" dirty="0">
+              <a:latin typeface="Helvetica Neue" panose="02000503000000020004" pitchFamily="2" charset="0"/>
+              <a:ea typeface="Helvetica Neue" panose="02000503000000020004" pitchFamily="2" charset="0"/>
+              <a:cs typeface="Helvetica Neue" panose="02000503000000020004" pitchFamily="2" charset="0"/>
+            </a:endParaRPr>
+          </a:p>
+          <a:p>
+            <a:r>
+              <a:rPr lang="fr-RE" sz="4000" dirty="0">
+                <a:latin typeface="Helvetica Neue" panose="02000503000000020004" pitchFamily="2" charset="0"/>
+                <a:ea typeface="Helvetica Neue" panose="02000503000000020004" pitchFamily="2" charset="0"/>
+                <a:cs typeface="Helvetica Neue" panose="02000503000000020004" pitchFamily="2" charset="0"/>
+              </a:rPr>
+              <a:t>Descente de gradient : algorithme qui à chaque itération </a:t>
+            </a:r>
             <a:r>
               <a:rPr lang="fr-FR" sz="4000" dirty="0">
-                <a:latin typeface="+mn-lt"/>
+                <a:latin typeface="Helvetica Neue" panose="02000503000000020004" pitchFamily="2" charset="0"/>
+                <a:ea typeface="Helvetica Neue" panose="02000503000000020004" pitchFamily="2" charset="0"/>
+                <a:cs typeface="Helvetica Neue" panose="02000503000000020004" pitchFamily="2" charset="0"/>
+                <a:sym typeface="Helvetica Neue"/>
               </a:rPr>
-              <a:t>Majoritairement employé avec les Arbres de Décision</a:t>
-            </a:r>
-          </a:p>
-          <a:p>
+              <a:t>va chercher les valeurs des coefficient qui vont </a:t>
+            </a:r>
             <a:r>
               <a:rPr lang="fr-FR" sz="4000" dirty="0">
-                <a:latin typeface="+mn-lt"/>
+                <a:latin typeface="Helvetica Neue" panose="02000503000000020004" pitchFamily="2" charset="0"/>
+                <a:ea typeface="Helvetica Neue" panose="02000503000000020004" pitchFamily="2" charset="0"/>
+                <a:cs typeface="Helvetica Neue" panose="02000503000000020004" pitchFamily="2" charset="0"/>
               </a:rPr>
-              <a:t>Agrégation de plusieurs </a:t>
+              <a:t>minimiser la fonction de perte.</a:t>
+            </a:r>
+          </a:p>
+          <a:p>
+            <a:r>
+              <a:rPr lang="fr-FR" sz="4000" dirty="0">
+                <a:latin typeface="Helvetica Neue" panose="02000503000000020004" pitchFamily="2" charset="0"/>
+                <a:ea typeface="Helvetica Neue" panose="02000503000000020004" pitchFamily="2" charset="0"/>
+                <a:cs typeface="Helvetica Neue" panose="02000503000000020004" pitchFamily="2" charset="0"/>
+              </a:rPr>
+              <a:t>Gradient </a:t>
             </a:r>
             <a:r>
               <a:rPr lang="fr-FR" sz="4000" dirty="0" err="1">
-                <a:latin typeface="+mn-lt"/>
+                <a:latin typeface="Helvetica Neue" panose="02000503000000020004" pitchFamily="2" charset="0"/>
+                <a:ea typeface="Helvetica Neue" panose="02000503000000020004" pitchFamily="2" charset="0"/>
+                <a:cs typeface="Helvetica Neue" panose="02000503000000020004" pitchFamily="2" charset="0"/>
               </a:rPr>
-              <a:t>classifiers</a:t>
+              <a:t>Boosting</a:t>
             </a:r>
             <a:r>
               <a:rPr lang="fr-FR" sz="4000" dirty="0">
-                <a:latin typeface="+mn-lt"/>
+                <a:latin typeface="Helvetica Neue" panose="02000503000000020004" pitchFamily="2" charset="0"/>
+                <a:ea typeface="Helvetica Neue" panose="02000503000000020004" pitchFamily="2" charset="0"/>
+                <a:cs typeface="Helvetica Neue" panose="02000503000000020004" pitchFamily="2" charset="0"/>
               </a:rPr>
-              <a:t> de manière itérative</a:t>
-            </a:r>
-          </a:p>
-          <a:p>
-            <a:r>
-              <a:rPr lang="fr-RE" sz="4000" dirty="0">
-                <a:latin typeface="+mn-lt"/>
+              <a:t> = </a:t>
+            </a:r>
+            <a:r>
+              <a:rPr lang="fr-FR" sz="4000" dirty="0" err="1">
+                <a:latin typeface="Helvetica Neue" panose="02000503000000020004" pitchFamily="2" charset="0"/>
+                <a:ea typeface="Helvetica Neue" panose="02000503000000020004" pitchFamily="2" charset="0"/>
+                <a:cs typeface="Helvetica Neue" panose="02000503000000020004" pitchFamily="2" charset="0"/>
               </a:rPr>
-              <a:t>Utilise le gradient de la fonction de perte pour le calcul des poids des individus lors de la construction de chaque nouveau modèle</a:t>
-            </a:r>
-          </a:p>
-          <a:p>
-            <a:r>
-              <a:rPr lang="fr-RE" sz="4000" dirty="0">
-                <a:latin typeface="+mn-lt"/>
+              <a:t>Boosting</a:t>
+            </a:r>
+            <a:r>
+              <a:rPr lang="fr-FR" sz="4000" dirty="0">
+                <a:latin typeface="Helvetica Neue" panose="02000503000000020004" pitchFamily="2" charset="0"/>
+                <a:ea typeface="Helvetica Neue" panose="02000503000000020004" pitchFamily="2" charset="0"/>
+                <a:cs typeface="Helvetica Neue" panose="02000503000000020004" pitchFamily="2" charset="0"/>
               </a:rPr>
-              <a:t>A besoin de 3 éléments :</a:t>
-            </a:r>
-          </a:p>
-          <a:p>
-            <a:pPr marL="685800" indent="-685800" fontAlgn="base">
-              <a:spcBef>
-                <a:spcPts val="600"/>
-              </a:spcBef>
-              <a:spcAft>
-                <a:spcPts val="600"/>
-              </a:spcAft>
-              <a:buFont typeface="Arial" panose="020B0604020202020204" pitchFamily="34" charset="0"/>
-              <a:buChar char="•"/>
-            </a:pPr>
-            <a:r>
-              <a:rPr lang="fr-RE" sz="4000" dirty="0">
-                <a:latin typeface="+mn-lt"/>
-              </a:rPr>
-              <a:t>Une fonction de perte à optimiser</a:t>
-            </a:r>
-          </a:p>
-          <a:p>
-            <a:pPr marL="685800" indent="-685800" fontAlgn="base">
-              <a:spcBef>
-                <a:spcPts val="600"/>
-              </a:spcBef>
-              <a:spcAft>
-                <a:spcPts val="600"/>
-              </a:spcAft>
-              <a:buFont typeface="Arial" panose="020B0604020202020204" pitchFamily="34" charset="0"/>
-              <a:buChar char="•"/>
-            </a:pPr>
-            <a:r>
-              <a:rPr lang="fr-RE" sz="4000" dirty="0">
-                <a:latin typeface="+mn-lt"/>
-              </a:rPr>
-              <a:t>Un apprenant faible pour faire les prédictions</a:t>
-            </a:r>
-          </a:p>
-          <a:p>
-            <a:pPr marL="685800" indent="-685800" fontAlgn="base">
-              <a:spcBef>
-                <a:spcPts val="600"/>
-              </a:spcBef>
-              <a:spcAft>
-                <a:spcPts val="600"/>
-              </a:spcAft>
-              <a:buFont typeface="Arial" panose="020B0604020202020204" pitchFamily="34" charset="0"/>
-              <a:buChar char="•"/>
-            </a:pPr>
-            <a:r>
-              <a:rPr lang="fr-FR" sz="4000" dirty="0">
-                <a:latin typeface="+mn-lt"/>
-              </a:rPr>
-              <a:t>Un modèle additif pour combiner nos apprenants faibles afin de minimiser notre fonction de perte</a:t>
-            </a:r>
-            <a:r>
-              <a:rPr lang="fr-RE" sz="4000" dirty="0">
-                <a:latin typeface="+mn-lt"/>
-              </a:rPr>
-              <a:t> </a:t>
+              <a:t> + Descente de gradient</a:t>
+            </a:r>
+            <a:endParaRPr lang="fr-RE" sz="4000" dirty="0"/>
+          </a:p>
+          <a:p>
+            <a:r>
+              <a:rPr lang="fr-RE" sz="4000" dirty="0"/>
+              <a:t>Le « gradient </a:t>
+            </a:r>
+            <a:r>
+              <a:rPr lang="fr-RE" sz="4000" dirty="0" err="1"/>
+              <a:t>boosting</a:t>
+            </a:r>
+            <a:r>
+              <a:rPr lang="fr-RE" sz="4000" dirty="0"/>
+              <a:t> » est un type spécial de </a:t>
+            </a:r>
+            <a:r>
+              <a:rPr lang="fr-RE" sz="4000" dirty="0" err="1"/>
+              <a:t>boosting</a:t>
+            </a:r>
+            <a:r>
+              <a:rPr lang="fr-RE" sz="4000" dirty="0"/>
+              <a:t> qui va chercher à réduire l’erreur de manière séquentielle.</a:t>
+            </a:r>
+          </a:p>
+          <a:p>
+            <a:r>
+              <a:rPr lang="fr-RE" sz="4000" dirty="0"/>
+              <a:t>A chaque itération, le modèle essaye de corriger les erreurs du modèle précédent.</a:t>
             </a:r>
           </a:p>
         </p:txBody>
@@ -21486,6 +21888,733 @@
       </p:grpSpPr>
       <p:sp>
         <p:nvSpPr>
+          <p:cNvPr id="5" name="Rectangle 4">
+            <a:extLst>
+              <a:ext uri="{FF2B5EF4-FFF2-40B4-BE49-F238E27FC236}">
+                <a16:creationId xmlns:a16="http://schemas.microsoft.com/office/drawing/2014/main" id="{B420214B-2E09-0145-83B7-DB884C1F8DED}"/>
+              </a:ext>
+            </a:extLst>
+          </p:cNvPr>
+          <p:cNvSpPr/>
+          <p:nvPr/>
+        </p:nvSpPr>
+        <p:spPr>
+          <a:xfrm>
+            <a:off x="572504" y="3097012"/>
+            <a:ext cx="23201894" cy="4314135"/>
+          </a:xfrm>
+          <a:prstGeom prst="rect">
+            <a:avLst/>
+          </a:prstGeom>
+          <a:solidFill>
+            <a:schemeClr val="bg1">
+              <a:lumMod val="95000"/>
+            </a:schemeClr>
+          </a:solidFill>
+          <a:ln w="12700" cap="flat">
+            <a:noFill/>
+            <a:miter lim="400000"/>
+          </a:ln>
+          <a:effectLst>
+            <a:outerShdw blurRad="38100" dist="25400" dir="5400000" rotWithShape="0">
+              <a:srgbClr val="000000">
+                <a:alpha val="50000"/>
+              </a:srgbClr>
+            </a:outerShdw>
+          </a:effectLst>
+          <a:sp3d/>
+        </p:spPr>
+        <p:style>
+          <a:lnRef idx="0">
+            <a:scrgbClr r="0" g="0" b="0"/>
+          </a:lnRef>
+          <a:fillRef idx="0">
+            <a:scrgbClr r="0" g="0" b="0"/>
+          </a:fillRef>
+          <a:effectRef idx="0">
+            <a:scrgbClr r="0" g="0" b="0"/>
+          </a:effectRef>
+          <a:fontRef idx="none"/>
+        </p:style>
+        <p:txBody>
+          <a:bodyPr rot="0" spcFirstLastPara="1" vertOverflow="overflow" horzOverflow="overflow" vert="horz" wrap="square" lIns="50800" tIns="50800" rIns="50800" bIns="50800" numCol="1" spcCol="38100" rtlCol="0" anchor="ctr">
+            <a:spAutoFit/>
+          </a:bodyPr>
+          <a:lstStyle/>
+          <a:p>
+            <a:pPr marL="0" marR="0" indent="0" algn="ctr" defTabSz="825500" rtl="0" fontAlgn="auto" latinLnBrk="0" hangingPunct="0">
+              <a:lnSpc>
+                <a:spcPct val="100000"/>
+              </a:lnSpc>
+              <a:spcBef>
+                <a:spcPts val="0"/>
+              </a:spcBef>
+              <a:spcAft>
+                <a:spcPts val="0"/>
+              </a:spcAft>
+              <a:buClrTx/>
+              <a:buSzTx/>
+              <a:buFontTx/>
+              <a:buNone/>
+              <a:tabLst/>
+            </a:pPr>
+            <a:endParaRPr kumimoji="0" lang="fr-FR" sz="3200" b="0" i="0" u="none" strike="noStrike" cap="none" spc="0" normalizeH="0" baseline="0">
+              <a:ln>
+                <a:noFill/>
+              </a:ln>
+              <a:solidFill>
+                <a:srgbClr val="FFFFFF"/>
+              </a:solidFill>
+              <a:effectLst/>
+              <a:uFillTx/>
+              <a:latin typeface="+mn-lt"/>
+              <a:ea typeface="+mn-ea"/>
+              <a:cs typeface="+mn-cs"/>
+              <a:sym typeface="Helvetica Light"/>
+            </a:endParaRPr>
+          </a:p>
+        </p:txBody>
+      </p:sp>
+      <p:sp>
+        <p:nvSpPr>
+          <p:cNvPr id="2" name="Titre 1"/>
+          <p:cNvSpPr>
+            <a:spLocks noGrp="1"/>
+          </p:cNvSpPr>
+          <p:nvPr>
+            <p:ph type="title"/>
+          </p:nvPr>
+        </p:nvSpPr>
+        <p:spPr/>
+        <p:txBody>
+          <a:bodyPr/>
+          <a:lstStyle/>
+          <a:p>
+            <a:r>
+              <a:rPr lang="fr-FR" dirty="0"/>
+              <a:t>Gradient </a:t>
+            </a:r>
+            <a:r>
+              <a:rPr lang="fr-FR" dirty="0" err="1"/>
+              <a:t>Boosting</a:t>
+            </a:r>
+            <a:endParaRPr lang="fr-FR" dirty="0"/>
+          </a:p>
+        </p:txBody>
+      </p:sp>
+      <p:sp>
+        <p:nvSpPr>
+          <p:cNvPr id="4" name="Espace réservé du texte 3"/>
+          <p:cNvSpPr>
+            <a:spLocks noGrp="1"/>
+          </p:cNvSpPr>
+          <p:nvPr>
+            <p:ph type="body" idx="1"/>
+          </p:nvPr>
+        </p:nvSpPr>
+        <p:spPr>
+          <a:xfrm>
+            <a:off x="1168850" y="3254190"/>
+            <a:ext cx="22605548" cy="4650469"/>
+          </a:xfrm>
+        </p:spPr>
+        <p:txBody>
+          <a:bodyPr>
+            <a:noAutofit/>
+          </a:bodyPr>
+          <a:lstStyle/>
+          <a:p>
+            <a:pPr marL="742950" indent="-742950">
+              <a:spcBef>
+                <a:spcPts val="600"/>
+              </a:spcBef>
+              <a:spcAft>
+                <a:spcPts val="600"/>
+              </a:spcAft>
+              <a:buFont typeface="+mj-lt"/>
+              <a:buAutoNum type="arabicPeriod"/>
+            </a:pPr>
+            <a:r>
+              <a:rPr lang="fr-FR" sz="4000" dirty="0">
+                <a:latin typeface="Helvetica Neue" panose="02000503000000020004" pitchFamily="2" charset="0"/>
+                <a:ea typeface="Helvetica Neue" panose="02000503000000020004" pitchFamily="2" charset="0"/>
+                <a:cs typeface="Helvetica Neue" panose="02000503000000020004" pitchFamily="2" charset="0"/>
+              </a:rPr>
+              <a:t>Application d’un modèle simple sur les données</a:t>
+            </a:r>
+          </a:p>
+          <a:p>
+            <a:pPr marL="742950" indent="-742950">
+              <a:spcBef>
+                <a:spcPts val="600"/>
+              </a:spcBef>
+              <a:spcAft>
+                <a:spcPts val="600"/>
+              </a:spcAft>
+              <a:buFont typeface="+mj-lt"/>
+              <a:buAutoNum type="arabicPeriod"/>
+            </a:pPr>
+            <a:r>
+              <a:rPr lang="fr-RE" sz="4000" dirty="0">
+                <a:latin typeface="Helvetica Neue" panose="02000503000000020004" pitchFamily="2" charset="0"/>
+                <a:ea typeface="Helvetica Neue" panose="02000503000000020004" pitchFamily="2" charset="0"/>
+                <a:cs typeface="Helvetica Neue" panose="02000503000000020004" pitchFamily="2" charset="0"/>
+              </a:rPr>
+              <a:t>Calcul de la perte résiduelle. </a:t>
+            </a:r>
+          </a:p>
+          <a:p>
+            <a:pPr marL="742950" indent="-742950">
+              <a:spcBef>
+                <a:spcPts val="600"/>
+              </a:spcBef>
+              <a:spcAft>
+                <a:spcPts val="600"/>
+              </a:spcAft>
+              <a:buFont typeface="+mj-lt"/>
+              <a:buAutoNum type="arabicPeriod"/>
+            </a:pPr>
+            <a:r>
+              <a:rPr lang="fr-RE" sz="4000" dirty="0">
+                <a:latin typeface="Helvetica Neue" panose="02000503000000020004" pitchFamily="2" charset="0"/>
+                <a:ea typeface="Helvetica Neue" panose="02000503000000020004" pitchFamily="2" charset="0"/>
+                <a:cs typeface="Helvetica Neue" panose="02000503000000020004" pitchFamily="2" charset="0"/>
+              </a:rPr>
+              <a:t>Modélisation du résidu avec un nouveau modèle M2</a:t>
+            </a:r>
+          </a:p>
+          <a:p>
+            <a:pPr marL="742950" indent="-742950">
+              <a:spcBef>
+                <a:spcPts val="600"/>
+              </a:spcBef>
+              <a:spcAft>
+                <a:spcPts val="600"/>
+              </a:spcAft>
+              <a:buFont typeface="+mj-lt"/>
+              <a:buAutoNum type="arabicPeriod"/>
+            </a:pPr>
+            <a:r>
+              <a:rPr lang="fr-RE" sz="4000" dirty="0">
+                <a:latin typeface="Helvetica Neue" panose="02000503000000020004" pitchFamily="2" charset="0"/>
+                <a:ea typeface="Helvetica Neue" panose="02000503000000020004" pitchFamily="2" charset="0"/>
+                <a:cs typeface="Helvetica Neue" panose="02000503000000020004" pitchFamily="2" charset="0"/>
+              </a:rPr>
+              <a:t>Répéter les étapes 2 à 4 jusqu’à ce que le nombre d’itération atteint.</a:t>
+            </a:r>
+          </a:p>
+          <a:p>
+            <a:pPr marL="742950" indent="-742950">
+              <a:spcBef>
+                <a:spcPts val="600"/>
+              </a:spcBef>
+              <a:spcAft>
+                <a:spcPts val="600"/>
+              </a:spcAft>
+              <a:buFont typeface="+mj-lt"/>
+              <a:buAutoNum type="arabicPeriod"/>
+            </a:pPr>
+            <a:r>
+              <a:rPr lang="fr-RE" sz="4000" dirty="0">
+                <a:latin typeface="Helvetica Neue" panose="02000503000000020004" pitchFamily="2" charset="0"/>
+                <a:ea typeface="Helvetica Neue" panose="02000503000000020004" pitchFamily="2" charset="0"/>
+                <a:cs typeface="Helvetica Neue" panose="02000503000000020004" pitchFamily="2" charset="0"/>
+              </a:rPr>
+              <a:t>Le modèle finale sera l’association de tous ces modèles qui seront pondérés.</a:t>
+            </a:r>
+          </a:p>
+          <a:p>
+            <a:pPr marL="0" indent="0">
+              <a:spcBef>
+                <a:spcPts val="0"/>
+              </a:spcBef>
+              <a:buNone/>
+            </a:pPr>
+            <a:endParaRPr lang="fr-RE" sz="3600" dirty="0">
+              <a:latin typeface="Helvetica Neue" panose="02000503000000020004" pitchFamily="2" charset="0"/>
+              <a:ea typeface="Helvetica Neue" panose="02000503000000020004" pitchFamily="2" charset="0"/>
+              <a:cs typeface="Helvetica Neue" panose="02000503000000020004" pitchFamily="2" charset="0"/>
+            </a:endParaRPr>
+          </a:p>
+        </p:txBody>
+      </p:sp>
+      <p:sp>
+        <p:nvSpPr>
+          <p:cNvPr id="3" name="Espace réservé du numéro de diapositive 2">
+            <a:extLst>
+              <a:ext uri="{FF2B5EF4-FFF2-40B4-BE49-F238E27FC236}">
+                <a16:creationId xmlns:a16="http://schemas.microsoft.com/office/drawing/2014/main" id="{7E41DB34-331A-324C-97C5-A43890E29BFB}"/>
+              </a:ext>
+            </a:extLst>
+          </p:cNvPr>
+          <p:cNvSpPr>
+            <a:spLocks noGrp="1"/>
+          </p:cNvSpPr>
+          <p:nvPr>
+            <p:ph type="sldNum" sz="quarter" idx="2"/>
+          </p:nvPr>
+        </p:nvSpPr>
+        <p:spPr/>
+        <p:txBody>
+          <a:bodyPr/>
+          <a:lstStyle/>
+          <a:p>
+            <a:fld id="{86CB4B4D-7CA3-9044-876B-883B54F8677D}" type="slidenum">
+              <a:rPr lang="fr-RE" smtClean="0"/>
+              <a:t>31</a:t>
+            </a:fld>
+            <a:endParaRPr lang="fr-RE" dirty="0"/>
+          </a:p>
+        </p:txBody>
+      </p:sp>
+      <p:sp>
+        <p:nvSpPr>
+          <p:cNvPr id="6" name="Espace réservé du texte 3">
+            <a:extLst>
+              <a:ext uri="{FF2B5EF4-FFF2-40B4-BE49-F238E27FC236}">
+                <a16:creationId xmlns:a16="http://schemas.microsoft.com/office/drawing/2014/main" id="{46B56127-01CE-6A47-8C9A-E83964ADD364}"/>
+              </a:ext>
+            </a:extLst>
+          </p:cNvPr>
+          <p:cNvSpPr txBox="1">
+            <a:spLocks/>
+          </p:cNvSpPr>
+          <p:nvPr/>
+        </p:nvSpPr>
+        <p:spPr>
+          <a:xfrm>
+            <a:off x="572504" y="7488919"/>
+            <a:ext cx="23201895" cy="5827031"/>
+          </a:xfrm>
+          <a:prstGeom prst="rect">
+            <a:avLst/>
+          </a:prstGeom>
+          <a:ln w="12700">
+            <a:miter lim="400000"/>
+          </a:ln>
+          <a:extLst>
+            <a:ext uri="{C572A759-6A51-4108-AA02-DFA0A04FC94B}">
+              <ma14:wrappingTextBoxFlag xmlns:ma14="http://schemas.microsoft.com/office/mac/drawingml/2011/main" xmlns="" val="1"/>
+            </a:ext>
+          </a:extLst>
+        </p:spPr>
+        <p:txBody>
+          <a:bodyPr lIns="50800" tIns="50800" rIns="50800" bIns="50800" anchor="ctr">
+            <a:noAutofit/>
+          </a:bodyPr>
+          <a:lstStyle>
+            <a:lvl1pPr marL="635000" marR="0" indent="-635000" algn="l" defTabSz="825500" rtl="0" latinLnBrk="0">
+              <a:lnSpc>
+                <a:spcPct val="100000"/>
+              </a:lnSpc>
+              <a:spcBef>
+                <a:spcPts val="3500"/>
+              </a:spcBef>
+              <a:spcAft>
+                <a:spcPts val="0"/>
+              </a:spcAft>
+              <a:buClrTx/>
+              <a:buSzPct val="75000"/>
+              <a:buFont typeface="Wingdings" charset="2"/>
+              <a:buChar char="q"/>
+              <a:tabLst/>
+              <a:defRPr sz="4800" b="0" i="0" u="none" strike="noStrike" cap="none" spc="0" baseline="0">
+                <a:ln>
+                  <a:noFill/>
+                </a:ln>
+                <a:solidFill>
+                  <a:srgbClr val="000000"/>
+                </a:solidFill>
+                <a:uFillTx/>
+                <a:latin typeface="Helvetica Neue" charset="0"/>
+                <a:ea typeface="Helvetica Neue" charset="0"/>
+                <a:cs typeface="Helvetica Neue" charset="0"/>
+                <a:sym typeface="Helvetica Light"/>
+              </a:defRPr>
+            </a:lvl1pPr>
+            <a:lvl2pPr marL="1270000" marR="0" indent="-635000" algn="l" defTabSz="825500" rtl="0" latinLnBrk="0">
+              <a:lnSpc>
+                <a:spcPct val="100000"/>
+              </a:lnSpc>
+              <a:spcBef>
+                <a:spcPts val="5900"/>
+              </a:spcBef>
+              <a:spcAft>
+                <a:spcPts val="0"/>
+              </a:spcAft>
+              <a:buClrTx/>
+              <a:buSzPct val="75000"/>
+              <a:buFont typeface="Wingdings" charset="2"/>
+              <a:buChar char="§"/>
+              <a:tabLst/>
+              <a:defRPr sz="5200" b="0" i="0" u="none" strike="noStrike" cap="none" spc="0" baseline="0">
+                <a:ln>
+                  <a:noFill/>
+                </a:ln>
+                <a:solidFill>
+                  <a:srgbClr val="000000"/>
+                </a:solidFill>
+                <a:uFillTx/>
+                <a:latin typeface="+mn-lt"/>
+                <a:ea typeface="+mn-ea"/>
+                <a:cs typeface="+mn-cs"/>
+                <a:sym typeface="Helvetica Light"/>
+              </a:defRPr>
+            </a:lvl2pPr>
+            <a:lvl3pPr marL="1905000" marR="0" indent="-635000" algn="l" defTabSz="825500" rtl="0" latinLnBrk="0">
+              <a:lnSpc>
+                <a:spcPct val="100000"/>
+              </a:lnSpc>
+              <a:spcBef>
+                <a:spcPts val="600"/>
+              </a:spcBef>
+              <a:spcAft>
+                <a:spcPts val="0"/>
+              </a:spcAft>
+              <a:buClrTx/>
+              <a:buSzPct val="75000"/>
+              <a:buFontTx/>
+              <a:buChar char="•"/>
+              <a:tabLst/>
+              <a:defRPr sz="4400" b="0" i="0" u="none" strike="noStrike" cap="none" spc="0" baseline="0">
+                <a:ln>
+                  <a:noFill/>
+                </a:ln>
+                <a:solidFill>
+                  <a:srgbClr val="000000"/>
+                </a:solidFill>
+                <a:uFillTx/>
+                <a:latin typeface="Helvetica Neue" charset="0"/>
+                <a:ea typeface="Helvetica Neue" charset="0"/>
+                <a:cs typeface="Helvetica Neue" charset="0"/>
+                <a:sym typeface="Helvetica Light"/>
+              </a:defRPr>
+            </a:lvl3pPr>
+            <a:lvl4pPr marL="2540000" marR="0" indent="-635000" algn="l" defTabSz="825500" rtl="0" latinLnBrk="0">
+              <a:lnSpc>
+                <a:spcPct val="100000"/>
+              </a:lnSpc>
+              <a:spcBef>
+                <a:spcPts val="5900"/>
+              </a:spcBef>
+              <a:spcAft>
+                <a:spcPts val="0"/>
+              </a:spcAft>
+              <a:buClrTx/>
+              <a:buSzPct val="75000"/>
+              <a:buFontTx/>
+              <a:buChar char="•"/>
+              <a:tabLst/>
+              <a:defRPr sz="5200" b="0" i="0" u="none" strike="noStrike" cap="none" spc="0" baseline="0">
+                <a:ln>
+                  <a:noFill/>
+                </a:ln>
+                <a:solidFill>
+                  <a:srgbClr val="000000"/>
+                </a:solidFill>
+                <a:uFillTx/>
+                <a:latin typeface="+mn-lt"/>
+                <a:ea typeface="+mn-ea"/>
+                <a:cs typeface="+mn-cs"/>
+                <a:sym typeface="Helvetica Light"/>
+              </a:defRPr>
+            </a:lvl4pPr>
+            <a:lvl5pPr marL="3175000" marR="0" indent="-635000" algn="l" defTabSz="825500" rtl="0" latinLnBrk="0">
+              <a:lnSpc>
+                <a:spcPct val="100000"/>
+              </a:lnSpc>
+              <a:spcBef>
+                <a:spcPts val="600"/>
+              </a:spcBef>
+              <a:spcAft>
+                <a:spcPts val="0"/>
+              </a:spcAft>
+              <a:buClrTx/>
+              <a:buSzPct val="75000"/>
+              <a:buFontTx/>
+              <a:buChar char="•"/>
+              <a:tabLst/>
+              <a:defRPr sz="4000" b="0" i="0" u="none" strike="noStrike" cap="none" spc="0" baseline="0">
+                <a:ln>
+                  <a:noFill/>
+                </a:ln>
+                <a:solidFill>
+                  <a:srgbClr val="000000"/>
+                </a:solidFill>
+                <a:uFillTx/>
+                <a:latin typeface="Helvetica Neue" charset="0"/>
+                <a:ea typeface="Helvetica Neue" charset="0"/>
+                <a:cs typeface="Helvetica Neue" charset="0"/>
+                <a:sym typeface="Helvetica Light"/>
+              </a:defRPr>
+            </a:lvl5pPr>
+            <a:lvl6pPr marL="3810000" marR="0" indent="-635000" algn="l" defTabSz="825500" rtl="0" latinLnBrk="0">
+              <a:lnSpc>
+                <a:spcPct val="100000"/>
+              </a:lnSpc>
+              <a:spcBef>
+                <a:spcPts val="5900"/>
+              </a:spcBef>
+              <a:spcAft>
+                <a:spcPts val="0"/>
+              </a:spcAft>
+              <a:buClrTx/>
+              <a:buSzPct val="75000"/>
+              <a:buFontTx/>
+              <a:buChar char="•"/>
+              <a:tabLst/>
+              <a:defRPr sz="5200" b="0" i="0" u="none" strike="noStrike" cap="none" spc="0" baseline="0">
+                <a:ln>
+                  <a:noFill/>
+                </a:ln>
+                <a:solidFill>
+                  <a:srgbClr val="000000"/>
+                </a:solidFill>
+                <a:uFillTx/>
+                <a:latin typeface="+mn-lt"/>
+                <a:ea typeface="+mn-ea"/>
+                <a:cs typeface="+mn-cs"/>
+                <a:sym typeface="Helvetica Light"/>
+              </a:defRPr>
+            </a:lvl6pPr>
+            <a:lvl7pPr marL="4445000" marR="0" indent="-635000" algn="l" defTabSz="825500" rtl="0" latinLnBrk="0">
+              <a:lnSpc>
+                <a:spcPct val="100000"/>
+              </a:lnSpc>
+              <a:spcBef>
+                <a:spcPts val="600"/>
+              </a:spcBef>
+              <a:spcAft>
+                <a:spcPts val="0"/>
+              </a:spcAft>
+              <a:buClrTx/>
+              <a:buSzPct val="75000"/>
+              <a:buFontTx/>
+              <a:buChar char="•"/>
+              <a:tabLst/>
+              <a:defRPr sz="4000" b="0" i="0" u="none" strike="noStrike" cap="none" spc="0" baseline="0">
+                <a:ln>
+                  <a:noFill/>
+                </a:ln>
+                <a:solidFill>
+                  <a:srgbClr val="000000"/>
+                </a:solidFill>
+                <a:uFillTx/>
+                <a:latin typeface="Helvetica Neue" charset="0"/>
+                <a:ea typeface="Helvetica Neue" charset="0"/>
+                <a:cs typeface="Helvetica Neue" charset="0"/>
+                <a:sym typeface="Helvetica Light"/>
+              </a:defRPr>
+            </a:lvl7pPr>
+            <a:lvl8pPr marL="5080000" marR="0" indent="-635000" algn="l" defTabSz="825500" rtl="0" latinLnBrk="0">
+              <a:lnSpc>
+                <a:spcPct val="100000"/>
+              </a:lnSpc>
+              <a:spcBef>
+                <a:spcPts val="5900"/>
+              </a:spcBef>
+              <a:spcAft>
+                <a:spcPts val="0"/>
+              </a:spcAft>
+              <a:buClrTx/>
+              <a:buSzPct val="75000"/>
+              <a:buFontTx/>
+              <a:buChar char="•"/>
+              <a:tabLst/>
+              <a:defRPr sz="5200" b="0" i="0" u="none" strike="noStrike" cap="none" spc="0" baseline="0">
+                <a:ln>
+                  <a:noFill/>
+                </a:ln>
+                <a:solidFill>
+                  <a:srgbClr val="000000"/>
+                </a:solidFill>
+                <a:uFillTx/>
+                <a:latin typeface="+mn-lt"/>
+                <a:ea typeface="+mn-ea"/>
+                <a:cs typeface="+mn-cs"/>
+                <a:sym typeface="Helvetica Light"/>
+              </a:defRPr>
+            </a:lvl8pPr>
+            <a:lvl9pPr marL="5715000" marR="0" indent="-635000" algn="l" defTabSz="825500" rtl="0" latinLnBrk="0">
+              <a:lnSpc>
+                <a:spcPct val="100000"/>
+              </a:lnSpc>
+              <a:spcBef>
+                <a:spcPts val="600"/>
+              </a:spcBef>
+              <a:spcAft>
+                <a:spcPts val="0"/>
+              </a:spcAft>
+              <a:buClrTx/>
+              <a:buSzPct val="75000"/>
+              <a:buFontTx/>
+              <a:buChar char="•"/>
+              <a:tabLst/>
+              <a:defRPr sz="4000" b="0" i="0" u="none" strike="noStrike" cap="none" spc="0" baseline="0">
+                <a:ln>
+                  <a:noFill/>
+                </a:ln>
+                <a:solidFill>
+                  <a:srgbClr val="000000"/>
+                </a:solidFill>
+                <a:uFillTx/>
+                <a:latin typeface="Helvetica Neue" charset="0"/>
+                <a:ea typeface="Helvetica Neue" charset="0"/>
+                <a:cs typeface="Helvetica Neue" charset="0"/>
+                <a:sym typeface="Helvetica Light"/>
+              </a:defRPr>
+            </a:lvl9pPr>
+          </a:lstStyle>
+          <a:p>
+            <a:pPr hangingPunct="1">
+              <a:spcBef>
+                <a:spcPts val="0"/>
+              </a:spcBef>
+            </a:pPr>
+            <a:r>
+              <a:rPr lang="fr-RE" sz="4000" dirty="0">
+                <a:latin typeface="Helvetica Neue" panose="02000503000000020004" pitchFamily="2" charset="0"/>
+                <a:ea typeface="Helvetica Neue" panose="02000503000000020004" pitchFamily="2" charset="0"/>
+                <a:cs typeface="Helvetica Neue" panose="02000503000000020004" pitchFamily="2" charset="0"/>
+              </a:rPr>
+              <a:t>Résidu = gradient négatif. La modélisation des résidus correspond donc à minimiser la fonction de </a:t>
+            </a:r>
+            <a:r>
+              <a:rPr lang="fr-RE" sz="4000" dirty="0" err="1">
+                <a:latin typeface="Helvetica Neue" panose="02000503000000020004" pitchFamily="2" charset="0"/>
+                <a:ea typeface="Helvetica Neue" panose="02000503000000020004" pitchFamily="2" charset="0"/>
+                <a:cs typeface="Helvetica Neue" panose="02000503000000020004" pitchFamily="2" charset="0"/>
+              </a:rPr>
+              <a:t>co</a:t>
+            </a:r>
+            <a:r>
+              <a:rPr lang="fr-FR" sz="4000" dirty="0" err="1">
+                <a:latin typeface="Helvetica Neue" panose="02000503000000020004" pitchFamily="2" charset="0"/>
+                <a:ea typeface="Helvetica Neue" panose="02000503000000020004" pitchFamily="2" charset="0"/>
+                <a:cs typeface="Helvetica Neue" panose="02000503000000020004" pitchFamily="2" charset="0"/>
+              </a:rPr>
+              <a:t>ût</a:t>
+            </a:r>
+            <a:r>
+              <a:rPr lang="fr-FR" sz="4000" dirty="0">
+                <a:latin typeface="Helvetica Neue" panose="02000503000000020004" pitchFamily="2" charset="0"/>
+                <a:ea typeface="Helvetica Neue" panose="02000503000000020004" pitchFamily="2" charset="0"/>
+                <a:cs typeface="Helvetica Neue" panose="02000503000000020004" pitchFamily="2" charset="0"/>
+              </a:rPr>
+              <a:t> global.</a:t>
+            </a:r>
+          </a:p>
+          <a:p>
+            <a:pPr hangingPunct="1">
+              <a:spcBef>
+                <a:spcPts val="0"/>
+              </a:spcBef>
+            </a:pPr>
+            <a:endParaRPr lang="fr-FR" sz="4000" dirty="0">
+              <a:latin typeface="Helvetica Neue" panose="02000503000000020004" pitchFamily="2" charset="0"/>
+              <a:ea typeface="Helvetica Neue" panose="02000503000000020004" pitchFamily="2" charset="0"/>
+              <a:cs typeface="Helvetica Neue" panose="02000503000000020004" pitchFamily="2" charset="0"/>
+            </a:endParaRPr>
+          </a:p>
+          <a:p>
+            <a:pPr hangingPunct="1">
+              <a:spcBef>
+                <a:spcPts val="0"/>
+              </a:spcBef>
+            </a:pPr>
+            <a:r>
+              <a:rPr lang="fr-FR" sz="4000" dirty="0">
+                <a:latin typeface="Helvetica Neue" panose="02000503000000020004" pitchFamily="2" charset="0"/>
+                <a:ea typeface="Helvetica Neue" panose="02000503000000020004" pitchFamily="2" charset="0"/>
+                <a:cs typeface="Helvetica Neue" panose="02000503000000020004" pitchFamily="2" charset="0"/>
+              </a:rPr>
+              <a:t>Pour classification :</a:t>
+            </a:r>
+          </a:p>
+          <a:p>
+            <a:pPr lvl="1" hangingPunct="1">
+              <a:spcBef>
+                <a:spcPts val="0"/>
+              </a:spcBef>
+            </a:pPr>
+            <a:r>
+              <a:rPr lang="fr-FR" sz="4000" dirty="0">
+                <a:latin typeface="Helvetica Neue" panose="02000503000000020004" pitchFamily="2" charset="0"/>
+                <a:ea typeface="Helvetica Neue" panose="02000503000000020004" pitchFamily="2" charset="0"/>
+                <a:cs typeface="Helvetica Neue" panose="02000503000000020004" pitchFamily="2" charset="0"/>
+              </a:rPr>
+              <a:t>le principe est globalement le même mais avec une fonction de coût adaptée au classement. </a:t>
+            </a:r>
+          </a:p>
+          <a:p>
+            <a:pPr lvl="1" hangingPunct="1">
+              <a:spcBef>
+                <a:spcPts val="0"/>
+              </a:spcBef>
+            </a:pPr>
+            <a:r>
+              <a:rPr lang="fr-FR" sz="4000" dirty="0">
+                <a:latin typeface="Helvetica Neue" panose="02000503000000020004" pitchFamily="2" charset="0"/>
+                <a:ea typeface="Helvetica Neue" panose="02000503000000020004" pitchFamily="2" charset="0"/>
+                <a:cs typeface="Helvetica Neue" panose="02000503000000020004" pitchFamily="2" charset="0"/>
+              </a:rPr>
+              <a:t>A chaque itération, un poids (inversement proportionnel au taux d’erreur) est affecté aux observations</a:t>
+            </a:r>
+            <a:endParaRPr lang="fr-RE" sz="4000" dirty="0">
+              <a:latin typeface="Helvetica Neue" panose="02000503000000020004" pitchFamily="2" charset="0"/>
+              <a:ea typeface="Helvetica Neue" panose="02000503000000020004" pitchFamily="2" charset="0"/>
+              <a:cs typeface="Helvetica Neue" panose="02000503000000020004" pitchFamily="2" charset="0"/>
+            </a:endParaRPr>
+          </a:p>
+          <a:p>
+            <a:pPr marL="742950" indent="-742950" hangingPunct="1">
+              <a:spcBef>
+                <a:spcPts val="0"/>
+              </a:spcBef>
+              <a:buFont typeface="+mj-lt"/>
+              <a:buAutoNum type="arabicPeriod"/>
+            </a:pPr>
+            <a:endParaRPr lang="fr-RE" sz="3600" dirty="0">
+              <a:latin typeface="Helvetica Neue" panose="02000503000000020004" pitchFamily="2" charset="0"/>
+              <a:ea typeface="Helvetica Neue" panose="02000503000000020004" pitchFamily="2" charset="0"/>
+              <a:cs typeface="Helvetica Neue" panose="02000503000000020004" pitchFamily="2" charset="0"/>
+            </a:endParaRPr>
+          </a:p>
+        </p:txBody>
+      </p:sp>
+    </p:spTree>
+    <p:extLst>
+      <p:ext uri="{BB962C8B-B14F-4D97-AF65-F5344CB8AC3E}">
+        <p14:creationId xmlns:p14="http://schemas.microsoft.com/office/powerpoint/2010/main" val="1450671122"/>
+      </p:ext>
+    </p:extLst>
+  </p:cSld>
+  <p:clrMapOvr>
+    <a:masterClrMapping/>
+  </p:clrMapOvr>
+  <p:transition spd="med"/>
+</p:sld>
+</file>
+
+<file path=ppt/slides/slide32.xml><?xml version="1.0" encoding="utf-8"?>
+<p:sld xmlns:a="http://schemas.openxmlformats.org/drawingml/2006/main" xmlns:r="http://schemas.openxmlformats.org/officeDocument/2006/relationships" xmlns:p="http://schemas.openxmlformats.org/presentationml/2006/main">
+  <p:cSld>
+    <p:spTree>
+      <p:nvGrpSpPr>
+        <p:cNvPr id="1" name=""/>
+        <p:cNvGrpSpPr/>
+        <p:nvPr/>
+      </p:nvGrpSpPr>
+      <p:grpSpPr>
+        <a:xfrm>
+          <a:off x="0" y="0"/>
+          <a:ext cx="0" cy="0"/>
+          <a:chOff x="0" y="0"/>
+          <a:chExt cx="0" cy="0"/>
+        </a:xfrm>
+      </p:grpSpPr>
+      <p:sp>
+        <p:nvSpPr>
           <p:cNvPr id="2" name="Titre 1"/>
           <p:cNvSpPr>
             <a:spLocks noGrp="1"/>
@@ -21536,48 +22665,20 @@
           </a:bodyPr>
           <a:lstStyle/>
           <a:p>
-            <a:r>
-              <a:rPr lang="fr-RE" sz="4000" b="1" dirty="0">
-                <a:latin typeface="+mn-lt"/>
+            <a:pPr marL="0" indent="0">
+              <a:spcAft>
+                <a:spcPts val="2400"/>
+              </a:spcAft>
+              <a:buNone/>
+            </a:pPr>
+            <a:r>
+              <a:rPr lang="fr-RE" sz="4000" dirty="0">
+                <a:latin typeface="Helvetica Neue" panose="02000503000000020004" pitchFamily="2" charset="0"/>
+                <a:ea typeface="Helvetica Neue" panose="02000503000000020004" pitchFamily="2" charset="0"/>
+                <a:cs typeface="Helvetica Neue" panose="02000503000000020004" pitchFamily="2" charset="0"/>
               </a:rPr>
-              <a:t>Quelques paramètres :</a:t>
-            </a:r>
-          </a:p>
-          <a:p>
-            <a:pPr lvl="1">
-              <a:spcBef>
-                <a:spcPts val="0"/>
-              </a:spcBef>
-            </a:pPr>
-            <a:r>
-              <a:rPr lang="fr-RE" sz="4000" dirty="0"/>
-              <a:t>Learning rates, nombre d’estimateurs</a:t>
-            </a:r>
-          </a:p>
-          <a:p>
-            <a:pPr lvl="1">
-              <a:spcBef>
-                <a:spcPts val="0"/>
-              </a:spcBef>
-            </a:pPr>
-            <a:r>
-              <a:rPr lang="fr-RE" sz="4000" dirty="0"/>
-              <a:t>Nombre d’arbres, profondeurs des arbres</a:t>
-            </a:r>
-          </a:p>
-          <a:p>
-            <a:pPr lvl="1">
-              <a:spcBef>
-                <a:spcPts val="0"/>
-              </a:spcBef>
-            </a:pPr>
-            <a:r>
-              <a:rPr lang="fr-RE" sz="4000" dirty="0"/>
-              <a:t>Fonctions de perte </a:t>
-            </a:r>
-            <a:endParaRPr lang="fr-RE" sz="4000" dirty="0">
-              <a:latin typeface="+mn-lt"/>
-            </a:endParaRPr>
+              <a:t>Quelques paramètres pour la classification :</a:t>
+            </a:r>
           </a:p>
           <a:p>
             <a:pPr>
@@ -21585,60 +22686,16 @@
                 <a:spcPts val="1800"/>
               </a:spcBef>
               <a:spcAft>
-                <a:spcPts val="600"/>
+                <a:spcPts val="1800"/>
               </a:spcAft>
             </a:pPr>
             <a:r>
-              <a:rPr lang="fr-RE" sz="4000" b="1" dirty="0">
-                <a:latin typeface="+mn-lt"/>
+              <a:rPr lang="fr-RE" sz="4000" dirty="0">
+                <a:latin typeface="Helvetica Neue" panose="02000503000000020004" pitchFamily="2" charset="0"/>
+                <a:ea typeface="Helvetica Neue" panose="02000503000000020004" pitchFamily="2" charset="0"/>
+                <a:cs typeface="Helvetica Neue" panose="02000503000000020004" pitchFamily="2" charset="0"/>
               </a:rPr>
-              <a:t>Avantage</a:t>
-            </a:r>
-            <a:r>
-              <a:rPr lang="fr-RE" sz="4000" dirty="0">
-                <a:latin typeface="+mn-lt"/>
-              </a:rPr>
-              <a:t> : </a:t>
-            </a:r>
-          </a:p>
-          <a:p>
-            <a:pPr lvl="1">
-              <a:spcBef>
-                <a:spcPts val="0"/>
-              </a:spcBef>
-            </a:pPr>
-            <a:r>
-              <a:rPr lang="fr-RE" sz="4000" dirty="0"/>
-              <a:t>Généralement robustes par rapport aux </a:t>
-            </a:r>
-            <a:r>
-              <a:rPr lang="fr-RE" sz="4000" dirty="0" err="1"/>
-              <a:t>outliers</a:t>
-            </a:r>
-            <a:endParaRPr lang="fr-RE" sz="4000" dirty="0"/>
-          </a:p>
-          <a:p>
-            <a:pPr lvl="1">
-              <a:spcBef>
-                <a:spcPts val="0"/>
-              </a:spcBef>
-            </a:pPr>
-            <a:r>
-              <a:rPr lang="fr-RE" sz="4000" dirty="0"/>
-              <a:t>Peuvent apprendre de modèles non linéaires</a:t>
-            </a:r>
-          </a:p>
-          <a:p>
-            <a:pPr lvl="1">
-              <a:spcBef>
-                <a:spcPts val="0"/>
-              </a:spcBef>
-            </a:pPr>
-            <a:r>
-              <a:rPr lang="fr-RE" sz="4000" dirty="0">
-                <a:latin typeface="+mn-lt"/>
-              </a:rPr>
-              <a:t>Performance</a:t>
+              <a:t>Nombre d’arbres : nombre d’itérations</a:t>
             </a:r>
           </a:p>
           <a:p>
@@ -21647,45 +22704,60 @@
                 <a:spcPts val="1800"/>
               </a:spcBef>
               <a:spcAft>
-                <a:spcPts val="600"/>
+                <a:spcPts val="1800"/>
               </a:spcAft>
             </a:pPr>
             <a:r>
-              <a:rPr lang="fr-RE" sz="4000" b="1" dirty="0">
-                <a:latin typeface="+mn-lt"/>
+              <a:rPr lang="fr-RE" sz="4000" dirty="0">
+                <a:latin typeface="Helvetica Neue" panose="02000503000000020004" pitchFamily="2" charset="0"/>
+                <a:ea typeface="Helvetica Neue" panose="02000503000000020004" pitchFamily="2" charset="0"/>
+                <a:cs typeface="Helvetica Neue" panose="02000503000000020004" pitchFamily="2" charset="0"/>
               </a:rPr>
-              <a:t>Inconvénients</a:t>
+              <a:t>La profondeur des arbres</a:t>
+            </a:r>
+          </a:p>
+          <a:p>
+            <a:pPr>
+              <a:spcBef>
+                <a:spcPts val="1800"/>
+              </a:spcBef>
+              <a:spcAft>
+                <a:spcPts val="1800"/>
+              </a:spcAft>
+            </a:pPr>
+            <a:r>
+              <a:rPr lang="fr-RE" sz="4000" dirty="0" err="1">
+                <a:latin typeface="Helvetica Neue" panose="02000503000000020004" pitchFamily="2" charset="0"/>
+                <a:ea typeface="Helvetica Neue" panose="02000503000000020004" pitchFamily="2" charset="0"/>
+                <a:cs typeface="Helvetica Neue" panose="02000503000000020004" pitchFamily="2" charset="0"/>
+              </a:rPr>
+              <a:t>Learning_rate</a:t>
             </a:r>
             <a:r>
               <a:rPr lang="fr-RE" sz="4000" dirty="0">
-                <a:latin typeface="+mn-lt"/>
+                <a:latin typeface="Helvetica Neue" panose="02000503000000020004" pitchFamily="2" charset="0"/>
+                <a:ea typeface="Helvetica Neue" panose="02000503000000020004" pitchFamily="2" charset="0"/>
+                <a:cs typeface="Helvetica Neue" panose="02000503000000020004" pitchFamily="2" charset="0"/>
               </a:rPr>
-              <a:t> :</a:t>
-            </a:r>
-          </a:p>
-          <a:p>
-            <a:pPr lvl="1">
-              <a:spcBef>
-                <a:spcPts val="0"/>
-              </a:spcBef>
+              <a:t> :le coefficient de rétrécissement.</a:t>
+            </a:r>
+          </a:p>
+          <a:p>
+            <a:pPr>
+              <a:spcBef>
+                <a:spcPts val="1800"/>
+              </a:spcBef>
+              <a:spcAft>
+                <a:spcPts val="1800"/>
+              </a:spcAft>
             </a:pPr>
             <a:r>
-              <a:rPr lang="fr-RE" sz="4000" dirty="0" err="1"/>
-              <a:t>Overfitting</a:t>
-            </a:r>
-            <a:endParaRPr lang="fr-RE" sz="4000" dirty="0"/>
-          </a:p>
-          <a:p>
-            <a:pPr lvl="1">
-              <a:spcBef>
-                <a:spcPts val="0"/>
-              </a:spcBef>
-            </a:pPr>
-            <a:r>
               <a:rPr lang="fr-RE" sz="4000" dirty="0">
-                <a:latin typeface="+mn-lt"/>
+                <a:latin typeface="Helvetica Neue" panose="02000503000000020004" pitchFamily="2" charset="0"/>
+                <a:ea typeface="Helvetica Neue" panose="02000503000000020004" pitchFamily="2" charset="0"/>
+                <a:cs typeface="Helvetica Neue" panose="02000503000000020004" pitchFamily="2" charset="0"/>
               </a:rPr>
-              <a:t>Paramétrage</a:t>
+              <a:t>La fonctions de perte à utiliser</a:t>
             </a:r>
           </a:p>
         </p:txBody>
@@ -21713,7 +22785,7 @@
           <a:p>
             <a:fld id="{86CB4B4D-7CA3-9044-876B-883B54F8677D}" type="slidenum">
               <a:rPr lang="fr-RE" smtClean="0"/>
-              <a:t>31</a:t>
+              <a:t>32</a:t>
             </a:fld>
             <a:endParaRPr lang="fr-RE" dirty="0"/>
           </a:p>
@@ -21733,7 +22805,299 @@
 </p:sld>
 </file>
 
-<file path=ppt/slides/slide32.xml><?xml version="1.0" encoding="utf-8"?>
+<file path=ppt/slides/slide33.xml><?xml version="1.0" encoding="utf-8"?>
+<p:sld xmlns:a="http://schemas.openxmlformats.org/drawingml/2006/main" xmlns:r="http://schemas.openxmlformats.org/officeDocument/2006/relationships" xmlns:p="http://schemas.openxmlformats.org/presentationml/2006/main">
+  <p:cSld>
+    <p:spTree>
+      <p:nvGrpSpPr>
+        <p:cNvPr id="1" name=""/>
+        <p:cNvGrpSpPr/>
+        <p:nvPr/>
+      </p:nvGrpSpPr>
+      <p:grpSpPr>
+        <a:xfrm>
+          <a:off x="0" y="0"/>
+          <a:ext cx="0" cy="0"/>
+          <a:chOff x="0" y="0"/>
+          <a:chExt cx="0" cy="0"/>
+        </a:xfrm>
+      </p:grpSpPr>
+      <p:sp>
+        <p:nvSpPr>
+          <p:cNvPr id="2" name="Titre 1"/>
+          <p:cNvSpPr>
+            <a:spLocks noGrp="1"/>
+          </p:cNvSpPr>
+          <p:nvPr>
+            <p:ph type="title"/>
+          </p:nvPr>
+        </p:nvSpPr>
+        <p:spPr/>
+        <p:txBody>
+          <a:bodyPr/>
+          <a:lstStyle/>
+          <a:p>
+            <a:r>
+              <a:rPr lang="fr-FR" dirty="0"/>
+              <a:t>Gradient </a:t>
+            </a:r>
+            <a:r>
+              <a:rPr lang="fr-FR" dirty="0" err="1"/>
+              <a:t>Boosting</a:t>
+            </a:r>
+            <a:r>
+              <a:rPr lang="fr-FR" dirty="0"/>
+              <a:t> </a:t>
+            </a:r>
+          </a:p>
+        </p:txBody>
+      </p:sp>
+      <p:sp>
+        <p:nvSpPr>
+          <p:cNvPr id="4" name="Espace réservé du texte 3"/>
+          <p:cNvSpPr>
+            <a:spLocks noGrp="1"/>
+          </p:cNvSpPr>
+          <p:nvPr>
+            <p:ph type="body" idx="1"/>
+          </p:nvPr>
+        </p:nvSpPr>
+        <p:spPr>
+          <a:xfrm>
+            <a:off x="572505" y="1778000"/>
+            <a:ext cx="22773052" cy="9684518"/>
+          </a:xfrm>
+        </p:spPr>
+        <p:txBody>
+          <a:bodyPr>
+            <a:noAutofit/>
+          </a:bodyPr>
+          <a:lstStyle/>
+          <a:p>
+            <a:pPr>
+              <a:spcBef>
+                <a:spcPts val="1800"/>
+              </a:spcBef>
+              <a:spcAft>
+                <a:spcPts val="600"/>
+              </a:spcAft>
+            </a:pPr>
+            <a:r>
+              <a:rPr lang="fr-RE" sz="4000" b="1" dirty="0">
+                <a:latin typeface="Helvetica Neue" panose="02000503000000020004" pitchFamily="2" charset="0"/>
+                <a:ea typeface="Helvetica Neue" panose="02000503000000020004" pitchFamily="2" charset="0"/>
+                <a:cs typeface="Helvetica Neue" panose="02000503000000020004" pitchFamily="2" charset="0"/>
+              </a:rPr>
+              <a:t>Avantage</a:t>
+            </a:r>
+            <a:r>
+              <a:rPr lang="fr-RE" sz="4000" dirty="0">
+                <a:latin typeface="Helvetica Neue" panose="02000503000000020004" pitchFamily="2" charset="0"/>
+                <a:ea typeface="Helvetica Neue" panose="02000503000000020004" pitchFamily="2" charset="0"/>
+                <a:cs typeface="Helvetica Neue" panose="02000503000000020004" pitchFamily="2" charset="0"/>
+              </a:rPr>
+              <a:t> : </a:t>
+            </a:r>
+          </a:p>
+          <a:p>
+            <a:pPr lvl="1">
+              <a:spcBef>
+                <a:spcPts val="0"/>
+              </a:spcBef>
+            </a:pPr>
+            <a:r>
+              <a:rPr lang="fr-RE" sz="4000" dirty="0">
+                <a:latin typeface="Helvetica Neue" panose="02000503000000020004" pitchFamily="2" charset="0"/>
+                <a:ea typeface="Helvetica Neue" panose="02000503000000020004" pitchFamily="2" charset="0"/>
+                <a:cs typeface="Helvetica Neue" panose="02000503000000020004" pitchFamily="2" charset="0"/>
+              </a:rPr>
+              <a:t>Généralement robustes par rapport aux </a:t>
+            </a:r>
+            <a:r>
+              <a:rPr lang="fr-RE" sz="4000" dirty="0" err="1">
+                <a:latin typeface="Helvetica Neue" panose="02000503000000020004" pitchFamily="2" charset="0"/>
+                <a:ea typeface="Helvetica Neue" panose="02000503000000020004" pitchFamily="2" charset="0"/>
+                <a:cs typeface="Helvetica Neue" panose="02000503000000020004" pitchFamily="2" charset="0"/>
+              </a:rPr>
+              <a:t>outliers</a:t>
+            </a:r>
+            <a:endParaRPr lang="fr-RE" sz="4000" dirty="0">
+              <a:latin typeface="Helvetica Neue" panose="02000503000000020004" pitchFamily="2" charset="0"/>
+              <a:ea typeface="Helvetica Neue" panose="02000503000000020004" pitchFamily="2" charset="0"/>
+              <a:cs typeface="Helvetica Neue" panose="02000503000000020004" pitchFamily="2" charset="0"/>
+            </a:endParaRPr>
+          </a:p>
+          <a:p>
+            <a:pPr lvl="1">
+              <a:spcBef>
+                <a:spcPts val="0"/>
+              </a:spcBef>
+            </a:pPr>
+            <a:r>
+              <a:rPr lang="fr-RE" sz="4000" dirty="0">
+                <a:latin typeface="Helvetica Neue" panose="02000503000000020004" pitchFamily="2" charset="0"/>
+                <a:ea typeface="Helvetica Neue" panose="02000503000000020004" pitchFamily="2" charset="0"/>
+                <a:cs typeface="Helvetica Neue" panose="02000503000000020004" pitchFamily="2" charset="0"/>
+              </a:rPr>
+              <a:t>Peuvent apprendre de modèles non linéaires</a:t>
+            </a:r>
+          </a:p>
+          <a:p>
+            <a:pPr lvl="1">
+              <a:spcBef>
+                <a:spcPts val="0"/>
+              </a:spcBef>
+            </a:pPr>
+            <a:r>
+              <a:rPr lang="fr-RE" sz="4000" dirty="0">
+                <a:latin typeface="Helvetica Neue" panose="02000503000000020004" pitchFamily="2" charset="0"/>
+                <a:ea typeface="Helvetica Neue" panose="02000503000000020004" pitchFamily="2" charset="0"/>
+                <a:cs typeface="Helvetica Neue" panose="02000503000000020004" pitchFamily="2" charset="0"/>
+              </a:rPr>
+              <a:t>Performance</a:t>
+            </a:r>
+          </a:p>
+          <a:p>
+            <a:pPr lvl="1">
+              <a:spcBef>
+                <a:spcPts val="0"/>
+              </a:spcBef>
+            </a:pPr>
+            <a:endParaRPr lang="fr-RE" sz="4000" dirty="0">
+              <a:latin typeface="Helvetica Neue" panose="02000503000000020004" pitchFamily="2" charset="0"/>
+              <a:ea typeface="Helvetica Neue" panose="02000503000000020004" pitchFamily="2" charset="0"/>
+              <a:cs typeface="Helvetica Neue" panose="02000503000000020004" pitchFamily="2" charset="0"/>
+            </a:endParaRPr>
+          </a:p>
+          <a:p>
+            <a:pPr lvl="1">
+              <a:spcBef>
+                <a:spcPts val="0"/>
+              </a:spcBef>
+            </a:pPr>
+            <a:endParaRPr lang="fr-RE" sz="4000" dirty="0">
+              <a:latin typeface="Helvetica Neue" panose="02000503000000020004" pitchFamily="2" charset="0"/>
+              <a:ea typeface="Helvetica Neue" panose="02000503000000020004" pitchFamily="2" charset="0"/>
+              <a:cs typeface="Helvetica Neue" panose="02000503000000020004" pitchFamily="2" charset="0"/>
+            </a:endParaRPr>
+          </a:p>
+          <a:p>
+            <a:pPr>
+              <a:spcBef>
+                <a:spcPts val="1800"/>
+              </a:spcBef>
+              <a:spcAft>
+                <a:spcPts val="600"/>
+              </a:spcAft>
+            </a:pPr>
+            <a:r>
+              <a:rPr lang="fr-RE" sz="4000" b="1" dirty="0">
+                <a:latin typeface="Helvetica Neue" panose="02000503000000020004" pitchFamily="2" charset="0"/>
+                <a:ea typeface="Helvetica Neue" panose="02000503000000020004" pitchFamily="2" charset="0"/>
+                <a:cs typeface="Helvetica Neue" panose="02000503000000020004" pitchFamily="2" charset="0"/>
+              </a:rPr>
+              <a:t>Inconvénients</a:t>
+            </a:r>
+            <a:r>
+              <a:rPr lang="fr-RE" sz="4000" dirty="0">
+                <a:latin typeface="Helvetica Neue" panose="02000503000000020004" pitchFamily="2" charset="0"/>
+                <a:ea typeface="Helvetica Neue" panose="02000503000000020004" pitchFamily="2" charset="0"/>
+                <a:cs typeface="Helvetica Neue" panose="02000503000000020004" pitchFamily="2" charset="0"/>
+              </a:rPr>
+              <a:t> :</a:t>
+            </a:r>
+          </a:p>
+          <a:p>
+            <a:pPr lvl="1">
+              <a:spcBef>
+                <a:spcPts val="0"/>
+              </a:spcBef>
+            </a:pPr>
+            <a:r>
+              <a:rPr lang="fr-RE" sz="4000" dirty="0">
+                <a:latin typeface="Helvetica Neue" panose="02000503000000020004" pitchFamily="2" charset="0"/>
+                <a:ea typeface="Helvetica Neue" panose="02000503000000020004" pitchFamily="2" charset="0"/>
+                <a:cs typeface="Helvetica Neue" panose="02000503000000020004" pitchFamily="2" charset="0"/>
+              </a:rPr>
+              <a:t>Sur-apprentissage</a:t>
+            </a:r>
+          </a:p>
+          <a:p>
+            <a:pPr lvl="1">
+              <a:spcBef>
+                <a:spcPts val="0"/>
+              </a:spcBef>
+            </a:pPr>
+            <a:r>
+              <a:rPr lang="fr-RE" sz="4000" dirty="0">
+                <a:latin typeface="Helvetica Neue" panose="02000503000000020004" pitchFamily="2" charset="0"/>
+                <a:ea typeface="Helvetica Neue" panose="02000503000000020004" pitchFamily="2" charset="0"/>
+                <a:cs typeface="Helvetica Neue" panose="02000503000000020004" pitchFamily="2" charset="0"/>
+              </a:rPr>
+              <a:t>Paramètres nombreux</a:t>
+            </a:r>
+          </a:p>
+          <a:p>
+            <a:pPr lvl="1">
+              <a:spcBef>
+                <a:spcPts val="0"/>
+              </a:spcBef>
+            </a:pPr>
+            <a:r>
+              <a:rPr lang="fr-RE" sz="4000" dirty="0">
+                <a:latin typeface="Helvetica Neue" panose="02000503000000020004" pitchFamily="2" charset="0"/>
+                <a:ea typeface="Helvetica Neue" panose="02000503000000020004" pitchFamily="2" charset="0"/>
+                <a:cs typeface="Helvetica Neue" panose="02000503000000020004" pitchFamily="2" charset="0"/>
+              </a:rPr>
+              <a:t>Occupation mémoire de tous les arbres</a:t>
+            </a:r>
+          </a:p>
+        </p:txBody>
+      </p:sp>
+      <p:sp>
+        <p:nvSpPr>
+          <p:cNvPr id="3" name="Espace réservé du numéro de diapositive 2">
+            <a:extLst>
+              <a:ext uri="{FF2B5EF4-FFF2-40B4-BE49-F238E27FC236}">
+                <a16:creationId xmlns:a16="http://schemas.microsoft.com/office/drawing/2014/main" id="{7E41DB34-331A-324C-97C5-A43890E29BFB}"/>
+              </a:ext>
+            </a:extLst>
+          </p:cNvPr>
+          <p:cNvSpPr>
+            <a:spLocks noGrp="1"/>
+          </p:cNvSpPr>
+          <p:nvPr>
+            <p:ph type="sldNum" sz="quarter" idx="2"/>
+          </p:nvPr>
+        </p:nvSpPr>
+        <p:spPr/>
+        <p:txBody>
+          <a:bodyPr/>
+          <a:lstStyle/>
+          <a:p>
+            <a:fld id="{86CB4B4D-7CA3-9044-876B-883B54F8677D}" type="slidenum">
+              <a:rPr lang="fr-RE" smtClean="0"/>
+              <a:t>33</a:t>
+            </a:fld>
+            <a:endParaRPr lang="fr-RE" dirty="0"/>
+          </a:p>
+        </p:txBody>
+      </p:sp>
+    </p:spTree>
+    <p:extLst>
+      <p:ext uri="{BB962C8B-B14F-4D97-AF65-F5344CB8AC3E}">
+        <p14:creationId xmlns:p14="http://schemas.microsoft.com/office/powerpoint/2010/main" val="773962961"/>
+      </p:ext>
+    </p:extLst>
+  </p:cSld>
+  <p:clrMapOvr>
+    <a:masterClrMapping/>
+  </p:clrMapOvr>
+  <p:transition spd="med"/>
+</p:sld>
+</file>
+
+<file path=ppt/slides/slide34.xml><?xml version="1.0" encoding="utf-8"?>
 <p:sld xmlns:a="http://schemas.openxmlformats.org/drawingml/2006/main" xmlns:r="http://schemas.openxmlformats.org/officeDocument/2006/relationships" xmlns:p="http://schemas.openxmlformats.org/presentationml/2006/main">
   <p:cSld>
     <p:spTree>
@@ -21800,7 +23164,7 @@
           <a:p>
             <a:fld id="{86CB4B4D-7CA3-9044-876B-883B54F8677D}" type="slidenum">
               <a:rPr lang="fr-RE" smtClean="0"/>
-              <a:t>32</a:t>
+              <a:t>34</a:t>
             </a:fld>
             <a:endParaRPr lang="fr-RE"/>
           </a:p>
@@ -21820,7 +23184,7 @@
 </p:sld>
 </file>
 
-<file path=ppt/slides/slide33.xml><?xml version="1.0" encoding="utf-8"?>
+<file path=ppt/slides/slide35.xml><?xml version="1.0" encoding="utf-8"?>
 <p:sld xmlns:a="http://schemas.openxmlformats.org/drawingml/2006/main" xmlns:r="http://schemas.openxmlformats.org/officeDocument/2006/relationships" xmlns:p="http://schemas.openxmlformats.org/presentationml/2006/main">
   <p:cSld>
     <p:spTree>
@@ -21849,8 +23213,8 @@
         </p:nvSpPr>
         <p:spPr>
           <a:xfrm>
-            <a:off x="933726" y="2603500"/>
-            <a:ext cx="21005800" cy="10217604"/>
+            <a:off x="933725" y="2603500"/>
+            <a:ext cx="22800917" cy="10217604"/>
           </a:xfrm>
         </p:spPr>
         <p:txBody>
@@ -21875,7 +23239,7 @@
                 <a:ea typeface="Helvetica Neue" charset="0"/>
                 <a:cs typeface="Helvetica Neue" charset="0"/>
               </a:rPr>
-              <a:t>L’analyse exploratoire a permis une meilleure compréhension de nos données de les préparer pour la segmentation.</a:t>
+              <a:t>L’analyse exploratoire a permis une meilleure compréhension de nos données et de les préparer pour la segmentation.</a:t>
             </a:r>
           </a:p>
           <a:p>
@@ -21895,7 +23259,7 @@
                 <a:ea typeface="Helvetica Neue" charset="0"/>
                 <a:cs typeface="Helvetica Neue" charset="0"/>
               </a:rPr>
-              <a:t>La recherche des clusters a demandé de nombreuses itérations et combinaisons de </a:t>
+              <a:t>La recherche des clusters a demandé de nombreux tests et combinaisons de </a:t>
             </a:r>
             <a:r>
               <a:rPr lang="fr-FR" sz="3600" dirty="0" err="1">
@@ -22095,7 +23459,7 @@
                 <a:ea typeface="Helvetica Neue" charset="0"/>
                 <a:cs typeface="Helvetica Neue" charset="0"/>
               </a:rPr>
-              <a:t>Avoir des catégories de produits pour mieux segmenter les préférences des clients</a:t>
+              <a:t>Avoir des informations sur catégories de produits pour mieux segmenter les préférences des clients</a:t>
             </a:r>
           </a:p>
         </p:txBody>
@@ -22414,7 +23778,7 @@
           <a:p>
             <a:fld id="{86CB4B4D-7CA3-9044-876B-883B54F8677D}" type="slidenum">
               <a:rPr lang="fr-RE" smtClean="0"/>
-              <a:t>33</a:t>
+              <a:t>35</a:t>
             </a:fld>
             <a:endParaRPr lang="fr-RE"/>
           </a:p>
@@ -22431,6 +23795,103 @@
     <a:masterClrMapping/>
   </p:clrMapOvr>
   <p:transition spd="med"/>
+</p:sld>
+</file>
+
+<file path=ppt/slides/slide36.xml><?xml version="1.0" encoding="utf-8"?>
+<p:sld xmlns:a="http://schemas.openxmlformats.org/drawingml/2006/main" xmlns:r="http://schemas.openxmlformats.org/officeDocument/2006/relationships" xmlns:p="http://schemas.openxmlformats.org/presentationml/2006/main">
+  <p:cSld>
+    <p:spTree>
+      <p:nvGrpSpPr>
+        <p:cNvPr id="1" name=""/>
+        <p:cNvGrpSpPr/>
+        <p:nvPr/>
+      </p:nvGrpSpPr>
+      <p:grpSpPr>
+        <a:xfrm>
+          <a:off x="0" y="0"/>
+          <a:ext cx="0" cy="0"/>
+          <a:chOff x="0" y="0"/>
+          <a:chExt cx="0" cy="0"/>
+        </a:xfrm>
+      </p:grpSpPr>
+      <p:sp>
+        <p:nvSpPr>
+          <p:cNvPr id="123" name="Shape 123"/>
+          <p:cNvSpPr>
+            <a:spLocks noGrp="1"/>
+          </p:cNvSpPr>
+          <p:nvPr>
+            <p:ph type="title"/>
+          </p:nvPr>
+        </p:nvSpPr>
+        <p:spPr>
+          <a:prstGeom prst="rect">
+            <a:avLst/>
+          </a:prstGeom>
+        </p:spPr>
+        <p:txBody>
+          <a:bodyPr>
+            <a:normAutofit/>
+          </a:bodyPr>
+          <a:lstStyle/>
+          <a:p>
+            <a:r>
+              <a:rPr lang="fr-FR" sz="5400" dirty="0"/>
+              <a:t>Merci à mon mentor Amine </a:t>
+            </a:r>
+            <a:r>
+              <a:rPr lang="fr-FR" sz="5400" dirty="0" err="1"/>
+              <a:t>Abdaoui</a:t>
+            </a:r>
+            <a:r>
+              <a:rPr lang="fr-FR" sz="5400" dirty="0"/>
+              <a:t> pour sa disponibilité, ses explications et ses précieux conseils</a:t>
+            </a:r>
+            <a:endParaRPr sz="5400" dirty="0"/>
+          </a:p>
+        </p:txBody>
+      </p:sp>
+      <p:sp>
+        <p:nvSpPr>
+          <p:cNvPr id="2" name="Espace réservé du numéro de diapositive 1">
+            <a:extLst>
+              <a:ext uri="{FF2B5EF4-FFF2-40B4-BE49-F238E27FC236}">
+                <a16:creationId xmlns:a16="http://schemas.microsoft.com/office/drawing/2014/main" id="{EE2DA6E8-8514-E241-A714-9AACF9899004}"/>
+              </a:ext>
+            </a:extLst>
+          </p:cNvPr>
+          <p:cNvSpPr>
+            <a:spLocks noGrp="1"/>
+          </p:cNvSpPr>
+          <p:nvPr>
+            <p:ph type="sldNum" sz="quarter" idx="2"/>
+          </p:nvPr>
+        </p:nvSpPr>
+        <p:spPr/>
+        <p:txBody>
+          <a:bodyPr/>
+          <a:lstStyle/>
+          <a:p>
+            <a:fld id="{86CB4B4D-7CA3-9044-876B-883B54F8677D}" type="slidenum">
+              <a:rPr lang="fr-RE" smtClean="0"/>
+              <a:t>36</a:t>
+            </a:fld>
+            <a:endParaRPr lang="fr-RE"/>
+          </a:p>
+        </p:txBody>
+      </p:sp>
+    </p:spTree>
+    <p:extLst>
+      <p:ext uri="{BB962C8B-B14F-4D97-AF65-F5344CB8AC3E}">
+        <p14:creationId xmlns:p14="http://schemas.microsoft.com/office/powerpoint/2010/main" val="307979137"/>
+      </p:ext>
+    </p:extLst>
+  </p:cSld>
+  <p:clrMapOvr>
+    <a:masterClrMapping/>
+  </p:clrMapOvr>
+  <p:transition spd="slow"/>
 </p:sld>
 </file>
 
